--- a/Org.pptx
+++ b/Org.pptx
@@ -8,9 +8,9 @@
     <p:sldId id="256" r:id="rId2"/>
     <p:sldId id="260" r:id="rId3"/>
     <p:sldId id="261" r:id="rId4"/>
-    <p:sldId id="263" r:id="rId5"/>
+    <p:sldId id="266" r:id="rId5"/>
     <p:sldId id="265" r:id="rId6"/>
-    <p:sldId id="266" r:id="rId7"/>
+    <p:sldId id="263" r:id="rId7"/>
     <p:sldId id="262" r:id="rId8"/>
     <p:sldId id="264" r:id="rId9"/>
     <p:sldId id="259" r:id="rId10"/>
@@ -25,9 +25,9 @@
     <p:sldId id="276" r:id="rId19"/>
     <p:sldId id="279" r:id="rId20"/>
     <p:sldId id="278" r:id="rId21"/>
-    <p:sldId id="277" r:id="rId22"/>
-    <p:sldId id="281" r:id="rId23"/>
-    <p:sldId id="291" r:id="rId24"/>
+    <p:sldId id="281" r:id="rId22"/>
+    <p:sldId id="291" r:id="rId23"/>
+    <p:sldId id="277" r:id="rId24"/>
     <p:sldId id="273" r:id="rId25"/>
     <p:sldId id="274" r:id="rId26"/>
     <p:sldId id="280" r:id="rId27"/>
@@ -184,9 +184,9 @@
           <p14:sldIdLst>
             <p14:sldId id="260"/>
             <p14:sldId id="261"/>
+            <p14:sldId id="266"/>
+            <p14:sldId id="265"/>
             <p14:sldId id="263"/>
-            <p14:sldId id="265"/>
-            <p14:sldId id="266"/>
             <p14:sldId id="262"/>
             <p14:sldId id="264"/>
           </p14:sldIdLst>
@@ -209,9 +209,9 @@
             <p14:sldId id="276"/>
             <p14:sldId id="279"/>
             <p14:sldId id="278"/>
-            <p14:sldId id="277"/>
             <p14:sldId id="281"/>
             <p14:sldId id="291"/>
+            <p14:sldId id="277"/>
           </p14:sldIdLst>
         </p14:section>
         <p14:section name="Logistic regression" id="{87189187-F806-4778-8DD7-1386B490B23F}">
@@ -330,7 +330,7 @@
   <pc:docChgLst>
     <pc:chgData name="Matthieu De Mari" userId="dfb708c9-d8dc-439f-9a3b-c772bf4a311c" providerId="ADAL" clId="{B569B5DF-9659-4679-BB81-7488086DFB99}"/>
     <pc:docChg chg="undo custSel mod addSld delSld modSld sldOrd modMainMaster addSection modSection">
-      <pc:chgData name="Matthieu De Mari" userId="dfb708c9-d8dc-439f-9a3b-c772bf4a311c" providerId="ADAL" clId="{B569B5DF-9659-4679-BB81-7488086DFB99}" dt="2022-11-15T08:53:07.360" v="18592" actId="12"/>
+      <pc:chgData name="Matthieu De Mari" userId="dfb708c9-d8dc-439f-9a3b-c772bf4a311c" providerId="ADAL" clId="{B569B5DF-9659-4679-BB81-7488086DFB99}" dt="2022-11-16T07:21:47.213" v="18600"/>
       <pc:docMkLst>
         <pc:docMk/>
       </pc:docMkLst>
@@ -541,8 +541,8 @@
           </ac:spMkLst>
         </pc:spChg>
       </pc:sldChg>
-      <pc:sldChg chg="modSp new mod">
-        <pc:chgData name="Matthieu De Mari" userId="dfb708c9-d8dc-439f-9a3b-c772bf4a311c" providerId="ADAL" clId="{B569B5DF-9659-4679-BB81-7488086DFB99}" dt="2022-11-14T08:40:00.098" v="1513" actId="20577"/>
+      <pc:sldChg chg="modSp new mod ord">
+        <pc:chgData name="Matthieu De Mari" userId="dfb708c9-d8dc-439f-9a3b-c772bf4a311c" providerId="ADAL" clId="{B569B5DF-9659-4679-BB81-7488086DFB99}" dt="2022-11-16T07:21:47.213" v="18600"/>
         <pc:sldMkLst>
           <pc:docMk/>
           <pc:sldMk cId="735327594" sldId="265"/>
@@ -564,8 +564,8 @@
           </ac:spMkLst>
         </pc:spChg>
       </pc:sldChg>
-      <pc:sldChg chg="modSp new mod">
-        <pc:chgData name="Matthieu De Mari" userId="dfb708c9-d8dc-439f-9a3b-c772bf4a311c" providerId="ADAL" clId="{B569B5DF-9659-4679-BB81-7488086DFB99}" dt="2022-11-14T08:40:43.492" v="1597" actId="20577"/>
+      <pc:sldChg chg="modSp new mod ord">
+        <pc:chgData name="Matthieu De Mari" userId="dfb708c9-d8dc-439f-9a3b-c772bf4a311c" providerId="ADAL" clId="{B569B5DF-9659-4679-BB81-7488086DFB99}" dt="2022-11-16T07:21:44.207" v="18598"/>
         <pc:sldMkLst>
           <pc:docMk/>
           <pc:sldMk cId="2538433344" sldId="266"/>
@@ -833,8 +833,8 @@
           </ac:picMkLst>
         </pc:picChg>
       </pc:sldChg>
-      <pc:sldChg chg="modSp new mod">
-        <pc:chgData name="Matthieu De Mari" userId="dfb708c9-d8dc-439f-9a3b-c772bf4a311c" providerId="ADAL" clId="{B569B5DF-9659-4679-BB81-7488086DFB99}" dt="2022-11-15T04:42:45.382" v="3793" actId="20577"/>
+      <pc:sldChg chg="modSp new mod ord">
+        <pc:chgData name="Matthieu De Mari" userId="dfb708c9-d8dc-439f-9a3b-c772bf4a311c" providerId="ADAL" clId="{B569B5DF-9659-4679-BB81-7488086DFB99}" dt="2022-11-15T11:02:36.958" v="18596"/>
         <pc:sldMkLst>
           <pc:docMk/>
           <pc:sldMk cId="3314266420" sldId="277"/>
@@ -2113,7 +2113,7 @@
           <a:p>
             <a:fld id="{4883D5E9-8116-4EC0-A73B-7B504502F662}" type="datetimeFigureOut">
               <a:rPr lang="en-SG" smtClean="0"/>
-              <a:t>15/11/2022</a:t>
+              <a:t>16/11/2022</a:t>
             </a:fld>
             <a:endParaRPr lang="en-SG"/>
           </a:p>
@@ -2313,7 +2313,7 @@
           <a:p>
             <a:fld id="{4883D5E9-8116-4EC0-A73B-7B504502F662}" type="datetimeFigureOut">
               <a:rPr lang="en-SG" smtClean="0"/>
-              <a:t>15/11/2022</a:t>
+              <a:t>16/11/2022</a:t>
             </a:fld>
             <a:endParaRPr lang="en-SG"/>
           </a:p>
@@ -2523,7 +2523,7 @@
           <a:p>
             <a:fld id="{4883D5E9-8116-4EC0-A73B-7B504502F662}" type="datetimeFigureOut">
               <a:rPr lang="en-SG" smtClean="0"/>
-              <a:t>15/11/2022</a:t>
+              <a:t>16/11/2022</a:t>
             </a:fld>
             <a:endParaRPr lang="en-SG"/>
           </a:p>
@@ -2723,7 +2723,7 @@
           <a:p>
             <a:fld id="{4883D5E9-8116-4EC0-A73B-7B504502F662}" type="datetimeFigureOut">
               <a:rPr lang="en-SG" smtClean="0"/>
-              <a:t>15/11/2022</a:t>
+              <a:t>16/11/2022</a:t>
             </a:fld>
             <a:endParaRPr lang="en-SG"/>
           </a:p>
@@ -2999,7 +2999,7 @@
           <a:p>
             <a:fld id="{4883D5E9-8116-4EC0-A73B-7B504502F662}" type="datetimeFigureOut">
               <a:rPr lang="en-SG" smtClean="0"/>
-              <a:t>15/11/2022</a:t>
+              <a:t>16/11/2022</a:t>
             </a:fld>
             <a:endParaRPr lang="en-SG"/>
           </a:p>
@@ -3267,7 +3267,7 @@
           <a:p>
             <a:fld id="{4883D5E9-8116-4EC0-A73B-7B504502F662}" type="datetimeFigureOut">
               <a:rPr lang="en-SG" smtClean="0"/>
-              <a:t>15/11/2022</a:t>
+              <a:t>16/11/2022</a:t>
             </a:fld>
             <a:endParaRPr lang="en-SG"/>
           </a:p>
@@ -3682,7 +3682,7 @@
           <a:p>
             <a:fld id="{4883D5E9-8116-4EC0-A73B-7B504502F662}" type="datetimeFigureOut">
               <a:rPr lang="en-SG" smtClean="0"/>
-              <a:t>15/11/2022</a:t>
+              <a:t>16/11/2022</a:t>
             </a:fld>
             <a:endParaRPr lang="en-SG"/>
           </a:p>
@@ -3824,7 +3824,7 @@
           <a:p>
             <a:fld id="{4883D5E9-8116-4EC0-A73B-7B504502F662}" type="datetimeFigureOut">
               <a:rPr lang="en-SG" smtClean="0"/>
-              <a:t>15/11/2022</a:t>
+              <a:t>16/11/2022</a:t>
             </a:fld>
             <a:endParaRPr lang="en-SG"/>
           </a:p>
@@ -3937,7 +3937,7 @@
           <a:p>
             <a:fld id="{4883D5E9-8116-4EC0-A73B-7B504502F662}" type="datetimeFigureOut">
               <a:rPr lang="en-SG" smtClean="0"/>
-              <a:t>15/11/2022</a:t>
+              <a:t>16/11/2022</a:t>
             </a:fld>
             <a:endParaRPr lang="en-SG"/>
           </a:p>
@@ -4250,7 +4250,7 @@
           <a:p>
             <a:fld id="{4883D5E9-8116-4EC0-A73B-7B504502F662}" type="datetimeFigureOut">
               <a:rPr lang="en-SG" smtClean="0"/>
-              <a:t>15/11/2022</a:t>
+              <a:t>16/11/2022</a:t>
             </a:fld>
             <a:endParaRPr lang="en-SG"/>
           </a:p>
@@ -4539,7 +4539,7 @@
           <a:p>
             <a:fld id="{4883D5E9-8116-4EC0-A73B-7B504502F662}" type="datetimeFigureOut">
               <a:rPr lang="en-SG" smtClean="0"/>
-              <a:t>15/11/2022</a:t>
+              <a:t>16/11/2022</a:t>
             </a:fld>
             <a:endParaRPr lang="en-SG"/>
           </a:p>
@@ -4782,7 +4782,7 @@
           <a:p>
             <a:fld id="{4883D5E9-8116-4EC0-A73B-7B504502F662}" type="datetimeFigureOut">
               <a:rPr lang="en-SG" smtClean="0"/>
-              <a:t>15/11/2022</a:t>
+              <a:t>16/11/2022</a:t>
             </a:fld>
             <a:endParaRPr lang="en-SG"/>
           </a:p>
@@ -6769,7 +6769,7 @@
           <p:cNvPr id="2" name="Title 1">
             <a:extLst>
               <a:ext uri="{FF2B5EF4-FFF2-40B4-BE49-F238E27FC236}">
-                <a16:creationId xmlns:a16="http://schemas.microsoft.com/office/drawing/2014/main" id="{F42743DD-8E8F-E7B7-A834-82799614ED44}"/>
+                <a16:creationId xmlns:a16="http://schemas.microsoft.com/office/drawing/2014/main" id="{1BC2F77B-B631-F46B-D880-FE88C8FC695E}"/>
               </a:ext>
             </a:extLst>
           </p:cNvPr>
@@ -6787,7 +6787,7 @@
           <a:p>
             <a:r>
               <a:rPr lang="en-GB" dirty="0"/>
-              <a:t>From linear to ridge regression</a:t>
+              <a:t>Derivatives, gradients and backprop</a:t>
             </a:r>
             <a:endParaRPr lang="en-SG" dirty="0"/>
           </a:p>
@@ -6798,7 +6798,7 @@
           <p:cNvPr id="3" name="Content Placeholder 2">
             <a:extLst>
               <a:ext uri="{FF2B5EF4-FFF2-40B4-BE49-F238E27FC236}">
-                <a16:creationId xmlns:a16="http://schemas.microsoft.com/office/drawing/2014/main" id="{B36F7A02-748C-0E9F-D845-17B53A1D917E}"/>
+                <a16:creationId xmlns:a16="http://schemas.microsoft.com/office/drawing/2014/main" id="{EEB5DC3B-4A9E-B372-7EA8-C4905D6DDDE5}"/>
               </a:ext>
             </a:extLst>
           </p:cNvPr>
@@ -6809,34 +6809,42 @@
             <p:ph idx="1"/>
           </p:nvPr>
         </p:nvSpPr>
-        <p:spPr/>
-        <p:txBody>
-          <a:bodyPr/>
-          <a:lstStyle/>
-          <a:p>
-            <a:r>
-              <a:rPr lang="en-GB" dirty="0"/>
-              <a:t>Principles of regularization</a:t>
-            </a:r>
-          </a:p>
-          <a:p>
-            <a:r>
-              <a:rPr lang="en-GB" dirty="0"/>
-              <a:t>Why is regularization helping in avoiding overfitting?</a:t>
-            </a:r>
-          </a:p>
-          <a:p>
-            <a:r>
-              <a:rPr lang="en-GB" dirty="0"/>
-              <a:t>Show implementation and effect</a:t>
-            </a:r>
+        <p:spPr>
+          <a:xfrm>
+            <a:off x="838200" y="1825624"/>
+            <a:ext cx="10515600" cy="5032375"/>
+          </a:xfrm>
+        </p:spPr>
+        <p:txBody>
+          <a:bodyPr/>
+          <a:lstStyle/>
+          <a:p>
+            <a:r>
+              <a:rPr lang="en-GB" dirty="0"/>
+              <a:t>Show that we can derive optimal parameters, but it eventually requires to invert a big matrix.</a:t>
+            </a:r>
+          </a:p>
+          <a:p>
+            <a:r>
+              <a:rPr lang="en-GB" dirty="0"/>
+              <a:t>Show that we might approximate that with gradient descent, because the loss function is convex! (nice).</a:t>
+            </a:r>
+          </a:p>
+          <a:p>
+            <a:r>
+              <a:rPr lang="en-GB" dirty="0"/>
+              <a:t>How to compute and approximate gradients (mathematical reminder)</a:t>
+            </a:r>
+          </a:p>
+          <a:p>
+            <a:endParaRPr lang="en-GB" dirty="0"/>
           </a:p>
         </p:txBody>
       </p:sp>
     </p:spTree>
     <p:extLst>
       <p:ext uri="{BB962C8B-B14F-4D97-AF65-F5344CB8AC3E}">
-        <p14:creationId xmlns:p14="http://schemas.microsoft.com/office/powerpoint/2010/main" val="3314266420"/>
+        <p14:creationId xmlns:p14="http://schemas.microsoft.com/office/powerpoint/2010/main" val="2347683629"/>
       </p:ext>
     </p:extLst>
   </p:cSld>
@@ -6868,7 +6876,7 @@
           <p:cNvPr id="2" name="Title 1">
             <a:extLst>
               <a:ext uri="{FF2B5EF4-FFF2-40B4-BE49-F238E27FC236}">
-                <a16:creationId xmlns:a16="http://schemas.microsoft.com/office/drawing/2014/main" id="{1BC2F77B-B631-F46B-D880-FE88C8FC695E}"/>
+                <a16:creationId xmlns:a16="http://schemas.microsoft.com/office/drawing/2014/main" id="{C7A40B67-9C86-2550-D52B-4DDB631E8118}"/>
               </a:ext>
             </a:extLst>
           </p:cNvPr>
@@ -6886,7 +6894,7 @@
           <a:p>
             <a:r>
               <a:rPr lang="en-GB" dirty="0"/>
-              <a:t>Derivatives, gradients and backprop</a:t>
+              <a:t>Reminder on gradients</a:t>
             </a:r>
             <a:endParaRPr lang="en-SG" dirty="0"/>
           </a:p>
@@ -6897,7 +6905,7 @@
           <p:cNvPr id="3" name="Content Placeholder 2">
             <a:extLst>
               <a:ext uri="{FF2B5EF4-FFF2-40B4-BE49-F238E27FC236}">
-                <a16:creationId xmlns:a16="http://schemas.microsoft.com/office/drawing/2014/main" id="{EEB5DC3B-4A9E-B372-7EA8-C4905D6DDDE5}"/>
+                <a16:creationId xmlns:a16="http://schemas.microsoft.com/office/drawing/2014/main" id="{C19F139E-EB3A-1BC2-9D93-6373C30BA7AB}"/>
               </a:ext>
             </a:extLst>
           </p:cNvPr>
@@ -6908,42 +6916,38 @@
             <p:ph idx="1"/>
           </p:nvPr>
         </p:nvSpPr>
-        <p:spPr>
-          <a:xfrm>
-            <a:off x="838200" y="1825624"/>
-            <a:ext cx="10515600" cy="5032375"/>
-          </a:xfrm>
-        </p:spPr>
-        <p:txBody>
-          <a:bodyPr/>
-          <a:lstStyle/>
-          <a:p>
-            <a:r>
-              <a:rPr lang="en-GB" dirty="0"/>
-              <a:t>Show that we can derive optimal parameters, but it eventually requires to invert a big matrix.</a:t>
-            </a:r>
-          </a:p>
-          <a:p>
-            <a:r>
-              <a:rPr lang="en-GB" dirty="0"/>
-              <a:t>Show that we might approximate that with gradient descent, because the loss function is convex! (nice).</a:t>
-            </a:r>
-          </a:p>
-          <a:p>
-            <a:r>
-              <a:rPr lang="en-GB" dirty="0"/>
-              <a:t>How to compute and approximate gradients (mathematical reminder)</a:t>
-            </a:r>
-          </a:p>
-          <a:p>
-            <a:endParaRPr lang="en-GB" dirty="0"/>
+        <p:spPr/>
+        <p:txBody>
+          <a:bodyPr/>
+          <a:lstStyle/>
+          <a:p>
+            <a:r>
+              <a:rPr lang="en-GB" dirty="0"/>
+              <a:t>Part 1 of gradients, reminder about gradients and their meaning, gradient descent procedure to minimize loss by choosing parameters and its convergence guarantees in the case of convex functions (explain why non-convex might be problematic).</a:t>
+            </a:r>
+          </a:p>
+          <a:p>
+            <a:r>
+              <a:rPr lang="en-GB" dirty="0"/>
+              <a:t>Show effect of parameters (step size, stopping threshold, etc.) on gradient descent effect.</a:t>
+            </a:r>
+          </a:p>
+          <a:p>
+            <a:r>
+              <a:rPr lang="en-GB" dirty="0"/>
+              <a:t>Implementation notebook and demo.</a:t>
+            </a:r>
+            <a:endParaRPr lang="en-SG" dirty="0"/>
+          </a:p>
+          <a:p>
+            <a:endParaRPr lang="en-SG" dirty="0"/>
           </a:p>
         </p:txBody>
       </p:sp>
     </p:spTree>
     <p:extLst>
       <p:ext uri="{BB962C8B-B14F-4D97-AF65-F5344CB8AC3E}">
-        <p14:creationId xmlns:p14="http://schemas.microsoft.com/office/powerpoint/2010/main" val="2347683629"/>
+        <p14:creationId xmlns:p14="http://schemas.microsoft.com/office/powerpoint/2010/main" val="1995408201"/>
       </p:ext>
     </p:extLst>
   </p:cSld>
@@ -6975,7 +6979,7 @@
           <p:cNvPr id="2" name="Title 1">
             <a:extLst>
               <a:ext uri="{FF2B5EF4-FFF2-40B4-BE49-F238E27FC236}">
-                <a16:creationId xmlns:a16="http://schemas.microsoft.com/office/drawing/2014/main" id="{C7A40B67-9C86-2550-D52B-4DDB631E8118}"/>
+                <a16:creationId xmlns:a16="http://schemas.microsoft.com/office/drawing/2014/main" id="{F42743DD-8E8F-E7B7-A834-82799614ED44}"/>
               </a:ext>
             </a:extLst>
           </p:cNvPr>
@@ -6993,7 +6997,7 @@
           <a:p>
             <a:r>
               <a:rPr lang="en-GB" dirty="0"/>
-              <a:t>Reminder on gradients</a:t>
+              <a:t>From linear to ridge regression</a:t>
             </a:r>
             <a:endParaRPr lang="en-SG" dirty="0"/>
           </a:p>
@@ -7004,7 +7008,7 @@
           <p:cNvPr id="3" name="Content Placeholder 2">
             <a:extLst>
               <a:ext uri="{FF2B5EF4-FFF2-40B4-BE49-F238E27FC236}">
-                <a16:creationId xmlns:a16="http://schemas.microsoft.com/office/drawing/2014/main" id="{C19F139E-EB3A-1BC2-9D93-6373C30BA7AB}"/>
+                <a16:creationId xmlns:a16="http://schemas.microsoft.com/office/drawing/2014/main" id="{B36F7A02-748C-0E9F-D845-17B53A1D917E}"/>
               </a:ext>
             </a:extLst>
           </p:cNvPr>
@@ -7022,31 +7026,27 @@
           <a:p>
             <a:r>
               <a:rPr lang="en-GB" dirty="0"/>
-              <a:t>Part 1 of gradients, reminder about gradients and their meaning, gradient descent procedure to minimize loss by choosing parameters and its convergence guarantees in the case of convex functions (explain why non-convex might be problematic).</a:t>
-            </a:r>
-          </a:p>
-          <a:p>
-            <a:r>
-              <a:rPr lang="en-GB" dirty="0"/>
-              <a:t>Show effect of parameters (step size, stopping threshold, etc.) on gradient descent effect.</a:t>
-            </a:r>
-          </a:p>
-          <a:p>
-            <a:r>
-              <a:rPr lang="en-GB" dirty="0"/>
-              <a:t>Implementation notebook and demo.</a:t>
-            </a:r>
-            <a:endParaRPr lang="en-SG" dirty="0"/>
-          </a:p>
-          <a:p>
-            <a:endParaRPr lang="en-SG" dirty="0"/>
+              <a:t>Principles of regularization</a:t>
+            </a:r>
+          </a:p>
+          <a:p>
+            <a:r>
+              <a:rPr lang="en-GB" dirty="0"/>
+              <a:t>Why is regularization helping in avoiding overfitting?</a:t>
+            </a:r>
+          </a:p>
+          <a:p>
+            <a:r>
+              <a:rPr lang="en-GB" dirty="0"/>
+              <a:t>Show implementation and effect</a:t>
+            </a:r>
           </a:p>
         </p:txBody>
       </p:sp>
     </p:spTree>
     <p:extLst>
       <p:ext uri="{BB962C8B-B14F-4D97-AF65-F5344CB8AC3E}">
-        <p14:creationId xmlns:p14="http://schemas.microsoft.com/office/powerpoint/2010/main" val="1995408201"/>
+        <p14:creationId xmlns:p14="http://schemas.microsoft.com/office/powerpoint/2010/main" val="3314266420"/>
       </p:ext>
     </p:extLst>
   </p:cSld>
@@ -9208,7 +9208,7 @@
           <p:cNvPr id="2" name="Title 1">
             <a:extLst>
               <a:ext uri="{FF2B5EF4-FFF2-40B4-BE49-F238E27FC236}">
-                <a16:creationId xmlns:a16="http://schemas.microsoft.com/office/drawing/2014/main" id="{9FBB04B9-0714-5AC4-7FC9-968A466F0888}"/>
+                <a16:creationId xmlns:a16="http://schemas.microsoft.com/office/drawing/2014/main" id="{C3768402-0D78-D2AA-DA19-EDAE41BBBA42}"/>
               </a:ext>
             </a:extLst>
           </p:cNvPr>
@@ -9226,7 +9226,7 @@
           <a:p>
             <a:r>
               <a:rPr lang="en-GB" dirty="0"/>
-              <a:t>Grading</a:t>
+              <a:t>Syllabus (week by week explanation)</a:t>
             </a:r>
             <a:endParaRPr lang="en-SG" dirty="0"/>
           </a:p>
@@ -9237,7 +9237,7 @@
           <p:cNvPr id="3" name="Content Placeholder 2">
             <a:extLst>
               <a:ext uri="{FF2B5EF4-FFF2-40B4-BE49-F238E27FC236}">
-                <a16:creationId xmlns:a16="http://schemas.microsoft.com/office/drawing/2014/main" id="{CFB8399C-5E5C-8BB5-01BA-F7381754CA47}"/>
+                <a16:creationId xmlns:a16="http://schemas.microsoft.com/office/drawing/2014/main" id="{55CED521-C842-1550-6F5F-56F8729C75BC}"/>
               </a:ext>
             </a:extLst>
           </p:cNvPr>
@@ -9253,45 +9253,14 @@
           <a:bodyPr/>
           <a:lstStyle/>
           <a:p>
-            <a:r>
-              <a:rPr lang="en-GB" dirty="0" err="1"/>
-              <a:t>Homeworks</a:t>
-            </a:r>
-            <a:endParaRPr lang="en-GB" dirty="0"/>
-          </a:p>
-          <a:p>
-            <a:r>
-              <a:rPr lang="en-GB" dirty="0"/>
-              <a:t>Project</a:t>
-            </a:r>
-          </a:p>
-          <a:p>
-            <a:r>
-              <a:rPr lang="en-GB" dirty="0"/>
-              <a:t>Two exams</a:t>
-            </a:r>
-          </a:p>
-          <a:p>
-            <a:r>
-              <a:rPr lang="en-GB" dirty="0"/>
-              <a:t>Participation</a:t>
-            </a:r>
-          </a:p>
-          <a:p>
-            <a:r>
-              <a:rPr lang="en-GB" dirty="0"/>
-              <a:t>Survey</a:t>
-            </a:r>
-          </a:p>
-          <a:p>
-            <a:endParaRPr lang="en-SG" dirty="0"/>
+            <a:endParaRPr lang="en-SG"/>
           </a:p>
         </p:txBody>
       </p:sp>
     </p:spTree>
     <p:extLst>
       <p:ext uri="{BB962C8B-B14F-4D97-AF65-F5344CB8AC3E}">
-        <p14:creationId xmlns:p14="http://schemas.microsoft.com/office/powerpoint/2010/main" val="2364192852"/>
+        <p14:creationId xmlns:p14="http://schemas.microsoft.com/office/powerpoint/2010/main" val="2538433344"/>
       </p:ext>
     </p:extLst>
   </p:cSld>
@@ -11939,7 +11908,7 @@
           <p:cNvPr id="2" name="Title 1">
             <a:extLst>
               <a:ext uri="{FF2B5EF4-FFF2-40B4-BE49-F238E27FC236}">
-                <a16:creationId xmlns:a16="http://schemas.microsoft.com/office/drawing/2014/main" id="{C3768402-0D78-D2AA-DA19-EDAE41BBBA42}"/>
+                <a16:creationId xmlns:a16="http://schemas.microsoft.com/office/drawing/2014/main" id="{9FBB04B9-0714-5AC4-7FC9-968A466F0888}"/>
               </a:ext>
             </a:extLst>
           </p:cNvPr>
@@ -11957,7 +11926,7 @@
           <a:p>
             <a:r>
               <a:rPr lang="en-GB" dirty="0"/>
-              <a:t>Syllabus (week by week explanation)</a:t>
+              <a:t>Grading</a:t>
             </a:r>
             <a:endParaRPr lang="en-SG" dirty="0"/>
           </a:p>
@@ -11968,7 +11937,7 @@
           <p:cNvPr id="3" name="Content Placeholder 2">
             <a:extLst>
               <a:ext uri="{FF2B5EF4-FFF2-40B4-BE49-F238E27FC236}">
-                <a16:creationId xmlns:a16="http://schemas.microsoft.com/office/drawing/2014/main" id="{55CED521-C842-1550-6F5F-56F8729C75BC}"/>
+                <a16:creationId xmlns:a16="http://schemas.microsoft.com/office/drawing/2014/main" id="{CFB8399C-5E5C-8BB5-01BA-F7381754CA47}"/>
               </a:ext>
             </a:extLst>
           </p:cNvPr>
@@ -11984,14 +11953,45 @@
           <a:bodyPr/>
           <a:lstStyle/>
           <a:p>
-            <a:endParaRPr lang="en-SG"/>
+            <a:r>
+              <a:rPr lang="en-GB" dirty="0" err="1"/>
+              <a:t>Homeworks</a:t>
+            </a:r>
+            <a:endParaRPr lang="en-GB" dirty="0"/>
+          </a:p>
+          <a:p>
+            <a:r>
+              <a:rPr lang="en-GB" dirty="0"/>
+              <a:t>Project</a:t>
+            </a:r>
+          </a:p>
+          <a:p>
+            <a:r>
+              <a:rPr lang="en-GB" dirty="0"/>
+              <a:t>Two exams</a:t>
+            </a:r>
+          </a:p>
+          <a:p>
+            <a:r>
+              <a:rPr lang="en-GB" dirty="0"/>
+              <a:t>Participation</a:t>
+            </a:r>
+          </a:p>
+          <a:p>
+            <a:r>
+              <a:rPr lang="en-GB" dirty="0"/>
+              <a:t>Survey</a:t>
+            </a:r>
+          </a:p>
+          <a:p>
+            <a:endParaRPr lang="en-SG" dirty="0"/>
           </a:p>
         </p:txBody>
       </p:sp>
     </p:spTree>
     <p:extLst>
       <p:ext uri="{BB962C8B-B14F-4D97-AF65-F5344CB8AC3E}">
-        <p14:creationId xmlns:p14="http://schemas.microsoft.com/office/powerpoint/2010/main" val="2538433344"/>
+        <p14:creationId xmlns:p14="http://schemas.microsoft.com/office/powerpoint/2010/main" val="2364192852"/>
       </p:ext>
     </p:extLst>
   </p:cSld>

--- a/Org.pptx
+++ b/Org.pptx
@@ -317,14 +317,6 @@
 </p:presentation>
 </file>
 
-<file path=ppt/revisionInfo.xml><?xml version="1.0" encoding="utf-8"?>
-<p1510:revInfo xmlns:a="http://schemas.openxmlformats.org/drawingml/2006/main" xmlns:r="http://schemas.openxmlformats.org/officeDocument/2006/relationships" xmlns:p1510="http://schemas.microsoft.com/office/powerpoint/2015/10/main">
-  <p1510:revLst>
-    <p1510:client id="{B569B5DF-9659-4679-BB81-7488086DFB99}" v="2" dt="2022-11-15T07:30:19.576"/>
-  </p1510:revLst>
-</p1510:revInfo>
-</file>
-
 <file path=ppt/changesInfos/changesInfo1.xml><?xml version="1.0" encoding="utf-8"?>
 <pc:chgInfo xmlns:a="http://schemas.openxmlformats.org/drawingml/2006/main" xmlns:r="http://schemas.openxmlformats.org/officeDocument/2006/relationships" xmlns:ac="http://schemas.microsoft.com/office/drawing/2013/main/command" xmlns:pc="http://schemas.microsoft.com/office/powerpoint/2013/main/command">
   <pc:docChgLst>
@@ -1959,6 +1951,632 @@
           </ac:spMkLst>
         </pc:spChg>
       </pc:sldMasterChg>
+    </pc:docChg>
+  </pc:docChgLst>
+  <pc:docChgLst>
+    <pc:chgData name="Matthieu De Mari" userId="dfb708c9-d8dc-439f-9a3b-c772bf4a311c" providerId="ADAL" clId="{87881257-A251-408C-B52F-FEE209544685}"/>
+    <pc:docChg chg="custSel modSld">
+      <pc:chgData name="Matthieu De Mari" userId="dfb708c9-d8dc-439f-9a3b-c772bf4a311c" providerId="ADAL" clId="{87881257-A251-408C-B52F-FEE209544685}" dt="2023-01-06T16:39:39.382" v="168" actId="20577"/>
+      <pc:docMkLst>
+        <pc:docMk/>
+      </pc:docMkLst>
+      <pc:sldChg chg="modSp mod">
+        <pc:chgData name="Matthieu De Mari" userId="dfb708c9-d8dc-439f-9a3b-c772bf4a311c" providerId="ADAL" clId="{87881257-A251-408C-B52F-FEE209544685}" dt="2023-01-06T16:35:42.146" v="103" actId="207"/>
+        <pc:sldMkLst>
+          <pc:docMk/>
+          <pc:sldMk cId="737984391" sldId="259"/>
+        </pc:sldMkLst>
+        <pc:spChg chg="mod">
+          <ac:chgData name="Matthieu De Mari" userId="dfb708c9-d8dc-439f-9a3b-c772bf4a311c" providerId="ADAL" clId="{87881257-A251-408C-B52F-FEE209544685}" dt="2023-01-06T16:35:42.146" v="103" actId="207"/>
+          <ac:spMkLst>
+            <pc:docMk/>
+            <pc:sldMk cId="737984391" sldId="259"/>
+            <ac:spMk id="2" creationId="{0FF09A27-171D-6794-5C7C-3D30AF9263E0}"/>
+          </ac:spMkLst>
+        </pc:spChg>
+        <pc:spChg chg="mod">
+          <ac:chgData name="Matthieu De Mari" userId="dfb708c9-d8dc-439f-9a3b-c772bf4a311c" providerId="ADAL" clId="{87881257-A251-408C-B52F-FEE209544685}" dt="2023-01-06T16:35:34.135" v="102" actId="20577"/>
+          <ac:spMkLst>
+            <pc:docMk/>
+            <pc:sldMk cId="737984391" sldId="259"/>
+            <ac:spMk id="3" creationId="{EC4FF3D1-595D-1429-6FD7-E1699D00794C}"/>
+          </ac:spMkLst>
+        </pc:spChg>
+      </pc:sldChg>
+      <pc:sldChg chg="modSp mod">
+        <pc:chgData name="Matthieu De Mari" userId="dfb708c9-d8dc-439f-9a3b-c772bf4a311c" providerId="ADAL" clId="{87881257-A251-408C-B52F-FEE209544685}" dt="2023-01-06T16:34:06.386" v="0" actId="207"/>
+        <pc:sldMkLst>
+          <pc:docMk/>
+          <pc:sldMk cId="1382025004" sldId="260"/>
+        </pc:sldMkLst>
+        <pc:spChg chg="mod">
+          <ac:chgData name="Matthieu De Mari" userId="dfb708c9-d8dc-439f-9a3b-c772bf4a311c" providerId="ADAL" clId="{87881257-A251-408C-B52F-FEE209544685}" dt="2023-01-06T16:34:06.386" v="0" actId="207"/>
+          <ac:spMkLst>
+            <pc:docMk/>
+            <pc:sldMk cId="1382025004" sldId="260"/>
+            <ac:spMk id="2" creationId="{E3D6A468-4FA0-CD14-293A-07AD86615603}"/>
+          </ac:spMkLst>
+        </pc:spChg>
+      </pc:sldChg>
+      <pc:sldChg chg="modSp mod">
+        <pc:chgData name="Matthieu De Mari" userId="dfb708c9-d8dc-439f-9a3b-c772bf4a311c" providerId="ADAL" clId="{87881257-A251-408C-B52F-FEE209544685}" dt="2023-01-06T16:34:09.480" v="1" actId="207"/>
+        <pc:sldMkLst>
+          <pc:docMk/>
+          <pc:sldMk cId="2126162591" sldId="261"/>
+        </pc:sldMkLst>
+        <pc:spChg chg="mod">
+          <ac:chgData name="Matthieu De Mari" userId="dfb708c9-d8dc-439f-9a3b-c772bf4a311c" providerId="ADAL" clId="{87881257-A251-408C-B52F-FEE209544685}" dt="2023-01-06T16:34:09.480" v="1" actId="207"/>
+          <ac:spMkLst>
+            <pc:docMk/>
+            <pc:sldMk cId="2126162591" sldId="261"/>
+            <ac:spMk id="2" creationId="{7656531F-BD61-3B84-9C30-C361BA25AD6A}"/>
+          </ac:spMkLst>
+        </pc:spChg>
+      </pc:sldChg>
+      <pc:sldChg chg="modSp mod">
+        <pc:chgData name="Matthieu De Mari" userId="dfb708c9-d8dc-439f-9a3b-c772bf4a311c" providerId="ADAL" clId="{87881257-A251-408C-B52F-FEE209544685}" dt="2023-01-06T16:34:32.231" v="4" actId="207"/>
+        <pc:sldMkLst>
+          <pc:docMk/>
+          <pc:sldMk cId="2825313071" sldId="262"/>
+        </pc:sldMkLst>
+        <pc:spChg chg="mod">
+          <ac:chgData name="Matthieu De Mari" userId="dfb708c9-d8dc-439f-9a3b-c772bf4a311c" providerId="ADAL" clId="{87881257-A251-408C-B52F-FEE209544685}" dt="2023-01-06T16:34:32.231" v="4" actId="207"/>
+          <ac:spMkLst>
+            <pc:docMk/>
+            <pc:sldMk cId="2825313071" sldId="262"/>
+            <ac:spMk id="2" creationId="{17F9F432-384E-0E63-A415-3C6F159D0913}"/>
+          </ac:spMkLst>
+        </pc:spChg>
+      </pc:sldChg>
+      <pc:sldChg chg="modSp mod">
+        <pc:chgData name="Matthieu De Mari" userId="dfb708c9-d8dc-439f-9a3b-c772bf4a311c" providerId="ADAL" clId="{87881257-A251-408C-B52F-FEE209544685}" dt="2023-01-06T16:34:29.504" v="3" actId="207"/>
+        <pc:sldMkLst>
+          <pc:docMk/>
+          <pc:sldMk cId="2364192852" sldId="263"/>
+        </pc:sldMkLst>
+        <pc:spChg chg="mod">
+          <ac:chgData name="Matthieu De Mari" userId="dfb708c9-d8dc-439f-9a3b-c772bf4a311c" providerId="ADAL" clId="{87881257-A251-408C-B52F-FEE209544685}" dt="2023-01-06T16:34:29.504" v="3" actId="207"/>
+          <ac:spMkLst>
+            <pc:docMk/>
+            <pc:sldMk cId="2364192852" sldId="263"/>
+            <ac:spMk id="2" creationId="{9FBB04B9-0714-5AC4-7FC9-968A466F0888}"/>
+          </ac:spMkLst>
+        </pc:spChg>
+      </pc:sldChg>
+      <pc:sldChg chg="modSp mod">
+        <pc:chgData name="Matthieu De Mari" userId="dfb708c9-d8dc-439f-9a3b-c772bf4a311c" providerId="ADAL" clId="{87881257-A251-408C-B52F-FEE209544685}" dt="2023-01-06T16:34:34.799" v="5" actId="207"/>
+        <pc:sldMkLst>
+          <pc:docMk/>
+          <pc:sldMk cId="2722280533" sldId="264"/>
+        </pc:sldMkLst>
+        <pc:spChg chg="mod">
+          <ac:chgData name="Matthieu De Mari" userId="dfb708c9-d8dc-439f-9a3b-c772bf4a311c" providerId="ADAL" clId="{87881257-A251-408C-B52F-FEE209544685}" dt="2023-01-06T16:34:34.799" v="5" actId="207"/>
+          <ac:spMkLst>
+            <pc:docMk/>
+            <pc:sldMk cId="2722280533" sldId="264"/>
+            <ac:spMk id="2" creationId="{FCFBD478-9573-F88C-68D7-7950C9763157}"/>
+          </ac:spMkLst>
+        </pc:spChg>
+      </pc:sldChg>
+      <pc:sldChg chg="modSp mod">
+        <pc:chgData name="Matthieu De Mari" userId="dfb708c9-d8dc-439f-9a3b-c772bf4a311c" providerId="ADAL" clId="{87881257-A251-408C-B52F-FEE209544685}" dt="2023-01-06T16:34:12.258" v="2" actId="207"/>
+        <pc:sldMkLst>
+          <pc:docMk/>
+          <pc:sldMk cId="2538433344" sldId="266"/>
+        </pc:sldMkLst>
+        <pc:spChg chg="mod">
+          <ac:chgData name="Matthieu De Mari" userId="dfb708c9-d8dc-439f-9a3b-c772bf4a311c" providerId="ADAL" clId="{87881257-A251-408C-B52F-FEE209544685}" dt="2023-01-06T16:34:12.258" v="2" actId="207"/>
+          <ac:spMkLst>
+            <pc:docMk/>
+            <pc:sldMk cId="2538433344" sldId="266"/>
+            <ac:spMk id="2" creationId="{C3768402-0D78-D2AA-DA19-EDAE41BBBA42}"/>
+          </ac:spMkLst>
+        </pc:spChg>
+      </pc:sldChg>
+      <pc:sldChg chg="modSp mod">
+        <pc:chgData name="Matthieu De Mari" userId="dfb708c9-d8dc-439f-9a3b-c772bf4a311c" providerId="ADAL" clId="{87881257-A251-408C-B52F-FEE209544685}" dt="2023-01-06T16:34:55.007" v="7" actId="207"/>
+        <pc:sldMkLst>
+          <pc:docMk/>
+          <pc:sldMk cId="2637790536" sldId="268"/>
+        </pc:sldMkLst>
+        <pc:spChg chg="mod">
+          <ac:chgData name="Matthieu De Mari" userId="dfb708c9-d8dc-439f-9a3b-c772bf4a311c" providerId="ADAL" clId="{87881257-A251-408C-B52F-FEE209544685}" dt="2023-01-06T16:34:55.007" v="7" actId="207"/>
+          <ac:spMkLst>
+            <pc:docMk/>
+            <pc:sldMk cId="2637790536" sldId="268"/>
+            <ac:spMk id="2" creationId="{6B26FCCD-3ECD-C64D-EE96-3AA352137E26}"/>
+          </ac:spMkLst>
+        </pc:spChg>
+      </pc:sldChg>
+      <pc:sldChg chg="modSp mod">
+        <pc:chgData name="Matthieu De Mari" userId="dfb708c9-d8dc-439f-9a3b-c772bf4a311c" providerId="ADAL" clId="{87881257-A251-408C-B52F-FEE209544685}" dt="2023-01-06T16:35:47.262" v="104" actId="207"/>
+        <pc:sldMkLst>
+          <pc:docMk/>
+          <pc:sldMk cId="3969303452" sldId="269"/>
+        </pc:sldMkLst>
+        <pc:spChg chg="mod">
+          <ac:chgData name="Matthieu De Mari" userId="dfb708c9-d8dc-439f-9a3b-c772bf4a311c" providerId="ADAL" clId="{87881257-A251-408C-B52F-FEE209544685}" dt="2023-01-06T16:35:47.262" v="104" actId="207"/>
+          <ac:spMkLst>
+            <pc:docMk/>
+            <pc:sldMk cId="3969303452" sldId="269"/>
+            <ac:spMk id="2" creationId="{D87A5E8A-BD91-998B-136F-B9BCE8DBE8F9}"/>
+          </ac:spMkLst>
+        </pc:spChg>
+      </pc:sldChg>
+      <pc:sldChg chg="modSp mod">
+        <pc:chgData name="Matthieu De Mari" userId="dfb708c9-d8dc-439f-9a3b-c772bf4a311c" providerId="ADAL" clId="{87881257-A251-408C-B52F-FEE209544685}" dt="2023-01-06T16:36:08.283" v="127" actId="207"/>
+        <pc:sldMkLst>
+          <pc:docMk/>
+          <pc:sldMk cId="2313927376" sldId="270"/>
+        </pc:sldMkLst>
+        <pc:spChg chg="mod">
+          <ac:chgData name="Matthieu De Mari" userId="dfb708c9-d8dc-439f-9a3b-c772bf4a311c" providerId="ADAL" clId="{87881257-A251-408C-B52F-FEE209544685}" dt="2023-01-06T16:36:08.283" v="127" actId="207"/>
+          <ac:spMkLst>
+            <pc:docMk/>
+            <pc:sldMk cId="2313927376" sldId="270"/>
+            <ac:spMk id="2" creationId="{D87A5E8A-BD91-998B-136F-B9BCE8DBE8F9}"/>
+          </ac:spMkLst>
+        </pc:spChg>
+      </pc:sldChg>
+      <pc:sldChg chg="modSp mod">
+        <pc:chgData name="Matthieu De Mari" userId="dfb708c9-d8dc-439f-9a3b-c772bf4a311c" providerId="ADAL" clId="{87881257-A251-408C-B52F-FEE209544685}" dt="2023-01-06T16:36:04.404" v="126" actId="207"/>
+        <pc:sldMkLst>
+          <pc:docMk/>
+          <pc:sldMk cId="491456096" sldId="271"/>
+        </pc:sldMkLst>
+        <pc:spChg chg="mod">
+          <ac:chgData name="Matthieu De Mari" userId="dfb708c9-d8dc-439f-9a3b-c772bf4a311c" providerId="ADAL" clId="{87881257-A251-408C-B52F-FEE209544685}" dt="2023-01-06T16:36:04.404" v="126" actId="207"/>
+          <ac:spMkLst>
+            <pc:docMk/>
+            <pc:sldMk cId="491456096" sldId="271"/>
+            <ac:spMk id="2" creationId="{5591D807-5D29-9EB6-727A-FB0664C3EC90}"/>
+          </ac:spMkLst>
+        </pc:spChg>
+      </pc:sldChg>
+      <pc:sldChg chg="modSp mod">
+        <pc:chgData name="Matthieu De Mari" userId="dfb708c9-d8dc-439f-9a3b-c772bf4a311c" providerId="ADAL" clId="{87881257-A251-408C-B52F-FEE209544685}" dt="2023-01-06T16:36:00.965" v="125" actId="207"/>
+        <pc:sldMkLst>
+          <pc:docMk/>
+          <pc:sldMk cId="4147646622" sldId="272"/>
+        </pc:sldMkLst>
+        <pc:spChg chg="mod">
+          <ac:chgData name="Matthieu De Mari" userId="dfb708c9-d8dc-439f-9a3b-c772bf4a311c" providerId="ADAL" clId="{87881257-A251-408C-B52F-FEE209544685}" dt="2023-01-06T16:36:00.965" v="125" actId="207"/>
+          <ac:spMkLst>
+            <pc:docMk/>
+            <pc:sldMk cId="4147646622" sldId="272"/>
+            <ac:spMk id="2" creationId="{FC37574A-6B11-3B0D-7483-F02B2191EAE9}"/>
+          </ac:spMkLst>
+        </pc:spChg>
+        <pc:spChg chg="mod">
+          <ac:chgData name="Matthieu De Mari" userId="dfb708c9-d8dc-439f-9a3b-c772bf4a311c" providerId="ADAL" clId="{87881257-A251-408C-B52F-FEE209544685}" dt="2023-01-06T16:35:56.934" v="124" actId="20577"/>
+          <ac:spMkLst>
+            <pc:docMk/>
+            <pc:sldMk cId="4147646622" sldId="272"/>
+            <ac:spMk id="3" creationId="{82D86BB9-138F-FB12-9B58-067FF111DBD0}"/>
+          </ac:spMkLst>
+        </pc:spChg>
+      </pc:sldChg>
+      <pc:sldChg chg="modSp mod">
+        <pc:chgData name="Matthieu De Mari" userId="dfb708c9-d8dc-439f-9a3b-c772bf4a311c" providerId="ADAL" clId="{87881257-A251-408C-B52F-FEE209544685}" dt="2023-01-06T16:36:57.307" v="138" actId="207"/>
+        <pc:sldMkLst>
+          <pc:docMk/>
+          <pc:sldMk cId="1483054381" sldId="273"/>
+        </pc:sldMkLst>
+        <pc:spChg chg="mod">
+          <ac:chgData name="Matthieu De Mari" userId="dfb708c9-d8dc-439f-9a3b-c772bf4a311c" providerId="ADAL" clId="{87881257-A251-408C-B52F-FEE209544685}" dt="2023-01-06T16:36:57.307" v="138" actId="207"/>
+          <ac:spMkLst>
+            <pc:docMk/>
+            <pc:sldMk cId="1483054381" sldId="273"/>
+            <ac:spMk id="2" creationId="{8C2B5424-78CD-47F4-9052-9493767719D9}"/>
+          </ac:spMkLst>
+        </pc:spChg>
+      </pc:sldChg>
+      <pc:sldChg chg="modSp mod">
+        <pc:chgData name="Matthieu De Mari" userId="dfb708c9-d8dc-439f-9a3b-c772bf4a311c" providerId="ADAL" clId="{87881257-A251-408C-B52F-FEE209544685}" dt="2023-01-06T16:37:08.282" v="139" actId="207"/>
+        <pc:sldMkLst>
+          <pc:docMk/>
+          <pc:sldMk cId="4000578084" sldId="274"/>
+        </pc:sldMkLst>
+        <pc:spChg chg="mod">
+          <ac:chgData name="Matthieu De Mari" userId="dfb708c9-d8dc-439f-9a3b-c772bf4a311c" providerId="ADAL" clId="{87881257-A251-408C-B52F-FEE209544685}" dt="2023-01-06T16:37:08.282" v="139" actId="207"/>
+          <ac:spMkLst>
+            <pc:docMk/>
+            <pc:sldMk cId="4000578084" sldId="274"/>
+            <ac:spMk id="2" creationId="{2D5997E3-88A6-6A9A-CB33-8ECE8925A0DF}"/>
+          </ac:spMkLst>
+        </pc:spChg>
+      </pc:sldChg>
+      <pc:sldChg chg="modSp mod">
+        <pc:chgData name="Matthieu De Mari" userId="dfb708c9-d8dc-439f-9a3b-c772bf4a311c" providerId="ADAL" clId="{87881257-A251-408C-B52F-FEE209544685}" dt="2023-01-06T16:36:11.126" v="128" actId="207"/>
+        <pc:sldMkLst>
+          <pc:docMk/>
+          <pc:sldMk cId="3673238788" sldId="275"/>
+        </pc:sldMkLst>
+        <pc:spChg chg="mod">
+          <ac:chgData name="Matthieu De Mari" userId="dfb708c9-d8dc-439f-9a3b-c772bf4a311c" providerId="ADAL" clId="{87881257-A251-408C-B52F-FEE209544685}" dt="2023-01-06T16:36:11.126" v="128" actId="207"/>
+          <ac:spMkLst>
+            <pc:docMk/>
+            <pc:sldMk cId="3673238788" sldId="275"/>
+            <ac:spMk id="2" creationId="{9C49242E-D9DA-9BF5-89B2-732BDF3FD619}"/>
+          </ac:spMkLst>
+        </pc:spChg>
+      </pc:sldChg>
+      <pc:sldChg chg="modSp mod">
+        <pc:chgData name="Matthieu De Mari" userId="dfb708c9-d8dc-439f-9a3b-c772bf4a311c" providerId="ADAL" clId="{87881257-A251-408C-B52F-FEE209544685}" dt="2023-01-06T16:36:14.619" v="129" actId="207"/>
+        <pc:sldMkLst>
+          <pc:docMk/>
+          <pc:sldMk cId="3348377355" sldId="276"/>
+        </pc:sldMkLst>
+        <pc:spChg chg="mod">
+          <ac:chgData name="Matthieu De Mari" userId="dfb708c9-d8dc-439f-9a3b-c772bf4a311c" providerId="ADAL" clId="{87881257-A251-408C-B52F-FEE209544685}" dt="2023-01-06T16:36:14.619" v="129" actId="207"/>
+          <ac:spMkLst>
+            <pc:docMk/>
+            <pc:sldMk cId="3348377355" sldId="276"/>
+            <ac:spMk id="2" creationId="{78406F1F-65AC-0DFB-DFD5-02E1C881B1D2}"/>
+          </ac:spMkLst>
+        </pc:spChg>
+      </pc:sldChg>
+      <pc:sldChg chg="modSp mod">
+        <pc:chgData name="Matthieu De Mari" userId="dfb708c9-d8dc-439f-9a3b-c772bf4a311c" providerId="ADAL" clId="{87881257-A251-408C-B52F-FEE209544685}" dt="2023-01-06T16:36:53.976" v="137" actId="207"/>
+        <pc:sldMkLst>
+          <pc:docMk/>
+          <pc:sldMk cId="3314266420" sldId="277"/>
+        </pc:sldMkLst>
+        <pc:spChg chg="mod">
+          <ac:chgData name="Matthieu De Mari" userId="dfb708c9-d8dc-439f-9a3b-c772bf4a311c" providerId="ADAL" clId="{87881257-A251-408C-B52F-FEE209544685}" dt="2023-01-06T16:36:53.976" v="137" actId="207"/>
+          <ac:spMkLst>
+            <pc:docMk/>
+            <pc:sldMk cId="3314266420" sldId="277"/>
+            <ac:spMk id="2" creationId="{F42743DD-8E8F-E7B7-A834-82799614ED44}"/>
+          </ac:spMkLst>
+        </pc:spChg>
+      </pc:sldChg>
+      <pc:sldChg chg="modSp mod">
+        <pc:chgData name="Matthieu De Mari" userId="dfb708c9-d8dc-439f-9a3b-c772bf4a311c" providerId="ADAL" clId="{87881257-A251-408C-B52F-FEE209544685}" dt="2023-01-06T16:36:36.192" v="134" actId="207"/>
+        <pc:sldMkLst>
+          <pc:docMk/>
+          <pc:sldMk cId="1938311961" sldId="278"/>
+        </pc:sldMkLst>
+        <pc:spChg chg="mod">
+          <ac:chgData name="Matthieu De Mari" userId="dfb708c9-d8dc-439f-9a3b-c772bf4a311c" providerId="ADAL" clId="{87881257-A251-408C-B52F-FEE209544685}" dt="2023-01-06T16:36:36.192" v="134" actId="207"/>
+          <ac:spMkLst>
+            <pc:docMk/>
+            <pc:sldMk cId="1938311961" sldId="278"/>
+            <ac:spMk id="2" creationId="{1876A753-0FCC-7FCC-0684-68441A224D05}"/>
+          </ac:spMkLst>
+        </pc:spChg>
+      </pc:sldChg>
+      <pc:sldChg chg="modSp mod">
+        <pc:chgData name="Matthieu De Mari" userId="dfb708c9-d8dc-439f-9a3b-c772bf4a311c" providerId="ADAL" clId="{87881257-A251-408C-B52F-FEE209544685}" dt="2023-01-06T16:36:22.329" v="133" actId="20577"/>
+        <pc:sldMkLst>
+          <pc:docMk/>
+          <pc:sldMk cId="3238620282" sldId="279"/>
+        </pc:sldMkLst>
+        <pc:spChg chg="mod">
+          <ac:chgData name="Matthieu De Mari" userId="dfb708c9-d8dc-439f-9a3b-c772bf4a311c" providerId="ADAL" clId="{87881257-A251-408C-B52F-FEE209544685}" dt="2023-01-06T16:36:18.788" v="130" actId="207"/>
+          <ac:spMkLst>
+            <pc:docMk/>
+            <pc:sldMk cId="3238620282" sldId="279"/>
+            <ac:spMk id="2" creationId="{92BFF572-213B-97E6-6BFF-B4D3EAB3FB73}"/>
+          </ac:spMkLst>
+        </pc:spChg>
+        <pc:spChg chg="mod">
+          <ac:chgData name="Matthieu De Mari" userId="dfb708c9-d8dc-439f-9a3b-c772bf4a311c" providerId="ADAL" clId="{87881257-A251-408C-B52F-FEE209544685}" dt="2023-01-06T16:36:22.329" v="133" actId="20577"/>
+          <ac:spMkLst>
+            <pc:docMk/>
+            <pc:sldMk cId="3238620282" sldId="279"/>
+            <ac:spMk id="3" creationId="{B03DCDE1-D814-C38C-1E13-0B65EFB3A6E6}"/>
+          </ac:spMkLst>
+        </pc:spChg>
+      </pc:sldChg>
+      <pc:sldChg chg="modSp mod">
+        <pc:chgData name="Matthieu De Mari" userId="dfb708c9-d8dc-439f-9a3b-c772bf4a311c" providerId="ADAL" clId="{87881257-A251-408C-B52F-FEE209544685}" dt="2023-01-06T16:37:11.511" v="140" actId="207"/>
+        <pc:sldMkLst>
+          <pc:docMk/>
+          <pc:sldMk cId="2840484224" sldId="280"/>
+        </pc:sldMkLst>
+        <pc:spChg chg="mod">
+          <ac:chgData name="Matthieu De Mari" userId="dfb708c9-d8dc-439f-9a3b-c772bf4a311c" providerId="ADAL" clId="{87881257-A251-408C-B52F-FEE209544685}" dt="2023-01-06T16:37:11.511" v="140" actId="207"/>
+          <ac:spMkLst>
+            <pc:docMk/>
+            <pc:sldMk cId="2840484224" sldId="280"/>
+            <ac:spMk id="2" creationId="{4FE8D244-9536-3125-B9D9-FAFA7C17B80C}"/>
+          </ac:spMkLst>
+        </pc:spChg>
+      </pc:sldChg>
+      <pc:sldChg chg="modSp mod">
+        <pc:chgData name="Matthieu De Mari" userId="dfb708c9-d8dc-439f-9a3b-c772bf4a311c" providerId="ADAL" clId="{87881257-A251-408C-B52F-FEE209544685}" dt="2023-01-06T16:36:38.792" v="135" actId="207"/>
+        <pc:sldMkLst>
+          <pc:docMk/>
+          <pc:sldMk cId="2347683629" sldId="281"/>
+        </pc:sldMkLst>
+        <pc:spChg chg="mod">
+          <ac:chgData name="Matthieu De Mari" userId="dfb708c9-d8dc-439f-9a3b-c772bf4a311c" providerId="ADAL" clId="{87881257-A251-408C-B52F-FEE209544685}" dt="2023-01-06T16:36:38.792" v="135" actId="207"/>
+          <ac:spMkLst>
+            <pc:docMk/>
+            <pc:sldMk cId="2347683629" sldId="281"/>
+            <ac:spMk id="2" creationId="{1BC2F77B-B631-F46B-D880-FE88C8FC695E}"/>
+          </ac:spMkLst>
+        </pc:spChg>
+      </pc:sldChg>
+      <pc:sldChg chg="modSp mod">
+        <pc:chgData name="Matthieu De Mari" userId="dfb708c9-d8dc-439f-9a3b-c772bf4a311c" providerId="ADAL" clId="{87881257-A251-408C-B52F-FEE209544685}" dt="2023-01-06T16:37:29.727" v="143" actId="207"/>
+        <pc:sldMkLst>
+          <pc:docMk/>
+          <pc:sldMk cId="1329367518" sldId="282"/>
+        </pc:sldMkLst>
+        <pc:spChg chg="mod">
+          <ac:chgData name="Matthieu De Mari" userId="dfb708c9-d8dc-439f-9a3b-c772bf4a311c" providerId="ADAL" clId="{87881257-A251-408C-B52F-FEE209544685}" dt="2023-01-06T16:37:29.727" v="143" actId="207"/>
+          <ac:spMkLst>
+            <pc:docMk/>
+            <pc:sldMk cId="1329367518" sldId="282"/>
+            <ac:spMk id="2" creationId="{334F0555-91A8-CEFA-80AE-69679DBB7EF2}"/>
+          </ac:spMkLst>
+        </pc:spChg>
+        <pc:spChg chg="mod">
+          <ac:chgData name="Matthieu De Mari" userId="dfb708c9-d8dc-439f-9a3b-c772bf4a311c" providerId="ADAL" clId="{87881257-A251-408C-B52F-FEE209544685}" dt="2023-01-06T16:37:21.211" v="142" actId="207"/>
+          <ac:spMkLst>
+            <pc:docMk/>
+            <pc:sldMk cId="1329367518" sldId="282"/>
+            <ac:spMk id="3" creationId="{870EC623-B151-44FB-ADCA-B384EEF5BB6B}"/>
+          </ac:spMkLst>
+        </pc:spChg>
+      </pc:sldChg>
+      <pc:sldChg chg="modSp mod">
+        <pc:chgData name="Matthieu De Mari" userId="dfb708c9-d8dc-439f-9a3b-c772bf4a311c" providerId="ADAL" clId="{87881257-A251-408C-B52F-FEE209544685}" dt="2023-01-06T16:37:36.819" v="144" actId="207"/>
+        <pc:sldMkLst>
+          <pc:docMk/>
+          <pc:sldMk cId="81906476" sldId="283"/>
+        </pc:sldMkLst>
+        <pc:spChg chg="mod">
+          <ac:chgData name="Matthieu De Mari" userId="dfb708c9-d8dc-439f-9a3b-c772bf4a311c" providerId="ADAL" clId="{87881257-A251-408C-B52F-FEE209544685}" dt="2023-01-06T16:37:36.819" v="144" actId="207"/>
+          <ac:spMkLst>
+            <pc:docMk/>
+            <pc:sldMk cId="81906476" sldId="283"/>
+            <ac:spMk id="2" creationId="{164F6D1F-2DC0-DA0C-E6AE-810CC0F078FB}"/>
+          </ac:spMkLst>
+        </pc:spChg>
+      </pc:sldChg>
+      <pc:sldChg chg="modSp mod">
+        <pc:chgData name="Matthieu De Mari" userId="dfb708c9-d8dc-439f-9a3b-c772bf4a311c" providerId="ADAL" clId="{87881257-A251-408C-B52F-FEE209544685}" dt="2023-01-06T16:37:42.685" v="146" actId="207"/>
+        <pc:sldMkLst>
+          <pc:docMk/>
+          <pc:sldMk cId="3812319088" sldId="284"/>
+        </pc:sldMkLst>
+        <pc:spChg chg="mod">
+          <ac:chgData name="Matthieu De Mari" userId="dfb708c9-d8dc-439f-9a3b-c772bf4a311c" providerId="ADAL" clId="{87881257-A251-408C-B52F-FEE209544685}" dt="2023-01-06T16:37:42.685" v="146" actId="207"/>
+          <ac:spMkLst>
+            <pc:docMk/>
+            <pc:sldMk cId="3812319088" sldId="284"/>
+            <ac:spMk id="2" creationId="{DD81F45C-B7CA-BD74-549E-EB0F53506FB9}"/>
+          </ac:spMkLst>
+        </pc:spChg>
+      </pc:sldChg>
+      <pc:sldChg chg="modSp mod">
+        <pc:chgData name="Matthieu De Mari" userId="dfb708c9-d8dc-439f-9a3b-c772bf4a311c" providerId="ADAL" clId="{87881257-A251-408C-B52F-FEE209544685}" dt="2023-01-06T16:37:46.663" v="147" actId="207"/>
+        <pc:sldMkLst>
+          <pc:docMk/>
+          <pc:sldMk cId="188810473" sldId="285"/>
+        </pc:sldMkLst>
+        <pc:spChg chg="mod">
+          <ac:chgData name="Matthieu De Mari" userId="dfb708c9-d8dc-439f-9a3b-c772bf4a311c" providerId="ADAL" clId="{87881257-A251-408C-B52F-FEE209544685}" dt="2023-01-06T16:37:46.663" v="147" actId="207"/>
+          <ac:spMkLst>
+            <pc:docMk/>
+            <pc:sldMk cId="188810473" sldId="285"/>
+            <ac:spMk id="2" creationId="{33A15950-E596-22D6-8500-A976FD7454C2}"/>
+          </ac:spMkLst>
+        </pc:spChg>
+      </pc:sldChg>
+      <pc:sldChg chg="modSp mod">
+        <pc:chgData name="Matthieu De Mari" userId="dfb708c9-d8dc-439f-9a3b-c772bf4a311c" providerId="ADAL" clId="{87881257-A251-408C-B52F-FEE209544685}" dt="2023-01-06T16:37:54.961" v="149" actId="207"/>
+        <pc:sldMkLst>
+          <pc:docMk/>
+          <pc:sldMk cId="3669191944" sldId="286"/>
+        </pc:sldMkLst>
+        <pc:spChg chg="mod">
+          <ac:chgData name="Matthieu De Mari" userId="dfb708c9-d8dc-439f-9a3b-c772bf4a311c" providerId="ADAL" clId="{87881257-A251-408C-B52F-FEE209544685}" dt="2023-01-06T16:37:54.961" v="149" actId="207"/>
+          <ac:spMkLst>
+            <pc:docMk/>
+            <pc:sldMk cId="3669191944" sldId="286"/>
+            <ac:spMk id="2" creationId="{70213AD3-8156-AAE9-5D1E-81523191E94E}"/>
+          </ac:spMkLst>
+        </pc:spChg>
+      </pc:sldChg>
+      <pc:sldChg chg="modSp mod">
+        <pc:chgData name="Matthieu De Mari" userId="dfb708c9-d8dc-439f-9a3b-c772bf4a311c" providerId="ADAL" clId="{87881257-A251-408C-B52F-FEE209544685}" dt="2023-01-06T16:37:39.620" v="145" actId="207"/>
+        <pc:sldMkLst>
+          <pc:docMk/>
+          <pc:sldMk cId="3494937214" sldId="289"/>
+        </pc:sldMkLst>
+        <pc:spChg chg="mod">
+          <ac:chgData name="Matthieu De Mari" userId="dfb708c9-d8dc-439f-9a3b-c772bf4a311c" providerId="ADAL" clId="{87881257-A251-408C-B52F-FEE209544685}" dt="2023-01-06T16:37:39.620" v="145" actId="207"/>
+          <ac:spMkLst>
+            <pc:docMk/>
+            <pc:sldMk cId="3494937214" sldId="289"/>
+            <ac:spMk id="2" creationId="{E0E860F1-8881-403B-BD34-BADCD490B441}"/>
+          </ac:spMkLst>
+        </pc:spChg>
+      </pc:sldChg>
+      <pc:sldChg chg="modSp mod">
+        <pc:chgData name="Matthieu De Mari" userId="dfb708c9-d8dc-439f-9a3b-c772bf4a311c" providerId="ADAL" clId="{87881257-A251-408C-B52F-FEE209544685}" dt="2023-01-06T16:37:49.407" v="148" actId="207"/>
+        <pc:sldMkLst>
+          <pc:docMk/>
+          <pc:sldMk cId="3310429149" sldId="290"/>
+        </pc:sldMkLst>
+        <pc:spChg chg="mod">
+          <ac:chgData name="Matthieu De Mari" userId="dfb708c9-d8dc-439f-9a3b-c772bf4a311c" providerId="ADAL" clId="{87881257-A251-408C-B52F-FEE209544685}" dt="2023-01-06T16:37:49.407" v="148" actId="207"/>
+          <ac:spMkLst>
+            <pc:docMk/>
+            <pc:sldMk cId="3310429149" sldId="290"/>
+            <ac:spMk id="2" creationId="{124721CC-5C6E-8128-24EF-29CB873810AD}"/>
+          </ac:spMkLst>
+        </pc:spChg>
+      </pc:sldChg>
+      <pc:sldChg chg="modSp mod">
+        <pc:chgData name="Matthieu De Mari" userId="dfb708c9-d8dc-439f-9a3b-c772bf4a311c" providerId="ADAL" clId="{87881257-A251-408C-B52F-FEE209544685}" dt="2023-01-06T16:36:46.643" v="136" actId="207"/>
+        <pc:sldMkLst>
+          <pc:docMk/>
+          <pc:sldMk cId="1995408201" sldId="291"/>
+        </pc:sldMkLst>
+        <pc:spChg chg="mod">
+          <ac:chgData name="Matthieu De Mari" userId="dfb708c9-d8dc-439f-9a3b-c772bf4a311c" providerId="ADAL" clId="{87881257-A251-408C-B52F-FEE209544685}" dt="2023-01-06T16:36:46.643" v="136" actId="207"/>
+          <ac:spMkLst>
+            <pc:docMk/>
+            <pc:sldMk cId="1995408201" sldId="291"/>
+            <ac:spMk id="2" creationId="{C7A40B67-9C86-2550-D52B-4DDB631E8118}"/>
+          </ac:spMkLst>
+        </pc:spChg>
+      </pc:sldChg>
+      <pc:sldChg chg="modSp mod">
+        <pc:chgData name="Matthieu De Mari" userId="dfb708c9-d8dc-439f-9a3b-c772bf4a311c" providerId="ADAL" clId="{87881257-A251-408C-B52F-FEE209544685}" dt="2023-01-06T16:37:58.440" v="150" actId="207"/>
+        <pc:sldMkLst>
+          <pc:docMk/>
+          <pc:sldMk cId="2575020599" sldId="292"/>
+        </pc:sldMkLst>
+        <pc:spChg chg="mod">
+          <ac:chgData name="Matthieu De Mari" userId="dfb708c9-d8dc-439f-9a3b-c772bf4a311c" providerId="ADAL" clId="{87881257-A251-408C-B52F-FEE209544685}" dt="2023-01-06T16:37:58.440" v="150" actId="207"/>
+          <ac:spMkLst>
+            <pc:docMk/>
+            <pc:sldMk cId="2575020599" sldId="292"/>
+            <ac:spMk id="2" creationId="{B9F3AD33-3B3A-6789-8CFE-FE81B5BCB3A4}"/>
+          </ac:spMkLst>
+        </pc:spChg>
+      </pc:sldChg>
+      <pc:sldChg chg="modSp mod">
+        <pc:chgData name="Matthieu De Mari" userId="dfb708c9-d8dc-439f-9a3b-c772bf4a311c" providerId="ADAL" clId="{87881257-A251-408C-B52F-FEE209544685}" dt="2023-01-06T16:38:16.763" v="151" actId="207"/>
+        <pc:sldMkLst>
+          <pc:docMk/>
+          <pc:sldMk cId="2592076527" sldId="293"/>
+        </pc:sldMkLst>
+        <pc:spChg chg="mod">
+          <ac:chgData name="Matthieu De Mari" userId="dfb708c9-d8dc-439f-9a3b-c772bf4a311c" providerId="ADAL" clId="{87881257-A251-408C-B52F-FEE209544685}" dt="2023-01-06T16:38:16.763" v="151" actId="207"/>
+          <ac:spMkLst>
+            <pc:docMk/>
+            <pc:sldMk cId="2592076527" sldId="293"/>
+            <ac:spMk id="2" creationId="{AE1D4E66-45DE-AA93-27B1-FDD610CAF4F1}"/>
+          </ac:spMkLst>
+        </pc:spChg>
+      </pc:sldChg>
+      <pc:sldChg chg="modSp mod">
+        <pc:chgData name="Matthieu De Mari" userId="dfb708c9-d8dc-439f-9a3b-c772bf4a311c" providerId="ADAL" clId="{87881257-A251-408C-B52F-FEE209544685}" dt="2023-01-06T16:38:22.530" v="152" actId="207"/>
+        <pc:sldMkLst>
+          <pc:docMk/>
+          <pc:sldMk cId="1989247653" sldId="294"/>
+        </pc:sldMkLst>
+        <pc:spChg chg="mod">
+          <ac:chgData name="Matthieu De Mari" userId="dfb708c9-d8dc-439f-9a3b-c772bf4a311c" providerId="ADAL" clId="{87881257-A251-408C-B52F-FEE209544685}" dt="2023-01-06T16:38:22.530" v="152" actId="207"/>
+          <ac:spMkLst>
+            <pc:docMk/>
+            <pc:sldMk cId="1989247653" sldId="294"/>
+            <ac:spMk id="2" creationId="{3D43F819-0154-0162-FE38-55B2D8A87EEE}"/>
+          </ac:spMkLst>
+        </pc:spChg>
+      </pc:sldChg>
+      <pc:sldChg chg="modSp mod">
+        <pc:chgData name="Matthieu De Mari" userId="dfb708c9-d8dc-439f-9a3b-c772bf4a311c" providerId="ADAL" clId="{87881257-A251-408C-B52F-FEE209544685}" dt="2023-01-06T16:38:24.760" v="153" actId="207"/>
+        <pc:sldMkLst>
+          <pc:docMk/>
+          <pc:sldMk cId="4247791090" sldId="295"/>
+        </pc:sldMkLst>
+        <pc:spChg chg="mod">
+          <ac:chgData name="Matthieu De Mari" userId="dfb708c9-d8dc-439f-9a3b-c772bf4a311c" providerId="ADAL" clId="{87881257-A251-408C-B52F-FEE209544685}" dt="2023-01-06T16:38:24.760" v="153" actId="207"/>
+          <ac:spMkLst>
+            <pc:docMk/>
+            <pc:sldMk cId="4247791090" sldId="295"/>
+            <ac:spMk id="2" creationId="{6D4EC2CF-6557-2E7A-E506-1C3354D3ED8E}"/>
+          </ac:spMkLst>
+        </pc:spChg>
+      </pc:sldChg>
+      <pc:sldChg chg="modSp mod">
+        <pc:chgData name="Matthieu De Mari" userId="dfb708c9-d8dc-439f-9a3b-c772bf4a311c" providerId="ADAL" clId="{87881257-A251-408C-B52F-FEE209544685}" dt="2023-01-06T16:38:28.601" v="154" actId="207"/>
+        <pc:sldMkLst>
+          <pc:docMk/>
+          <pc:sldMk cId="4221634404" sldId="296"/>
+        </pc:sldMkLst>
+        <pc:spChg chg="mod">
+          <ac:chgData name="Matthieu De Mari" userId="dfb708c9-d8dc-439f-9a3b-c772bf4a311c" providerId="ADAL" clId="{87881257-A251-408C-B52F-FEE209544685}" dt="2023-01-06T16:38:28.601" v="154" actId="207"/>
+          <ac:spMkLst>
+            <pc:docMk/>
+            <pc:sldMk cId="4221634404" sldId="296"/>
+            <ac:spMk id="2" creationId="{BC03F3F0-8FF7-21A6-A65D-6A9744417477}"/>
+          </ac:spMkLst>
+        </pc:spChg>
+      </pc:sldChg>
+      <pc:sldChg chg="modSp mod">
+        <pc:chgData name="Matthieu De Mari" userId="dfb708c9-d8dc-439f-9a3b-c772bf4a311c" providerId="ADAL" clId="{87881257-A251-408C-B52F-FEE209544685}" dt="2023-01-06T16:38:49.561" v="157" actId="207"/>
+        <pc:sldMkLst>
+          <pc:docMk/>
+          <pc:sldMk cId="273413847" sldId="297"/>
+        </pc:sldMkLst>
+        <pc:spChg chg="mod">
+          <ac:chgData name="Matthieu De Mari" userId="dfb708c9-d8dc-439f-9a3b-c772bf4a311c" providerId="ADAL" clId="{87881257-A251-408C-B52F-FEE209544685}" dt="2023-01-06T16:38:49.561" v="157" actId="207"/>
+          <ac:spMkLst>
+            <pc:docMk/>
+            <pc:sldMk cId="273413847" sldId="297"/>
+            <ac:spMk id="2" creationId="{7A20DA1D-2185-F4BA-1D74-61067AF145C0}"/>
+          </ac:spMkLst>
+        </pc:spChg>
+      </pc:sldChg>
+      <pc:sldChg chg="modSp mod">
+        <pc:chgData name="Matthieu De Mari" userId="dfb708c9-d8dc-439f-9a3b-c772bf4a311c" providerId="ADAL" clId="{87881257-A251-408C-B52F-FEE209544685}" dt="2023-01-06T16:38:40.108" v="155" actId="207"/>
+        <pc:sldMkLst>
+          <pc:docMk/>
+          <pc:sldMk cId="1119806816" sldId="298"/>
+        </pc:sldMkLst>
+        <pc:spChg chg="mod">
+          <ac:chgData name="Matthieu De Mari" userId="dfb708c9-d8dc-439f-9a3b-c772bf4a311c" providerId="ADAL" clId="{87881257-A251-408C-B52F-FEE209544685}" dt="2023-01-06T16:38:40.108" v="155" actId="207"/>
+          <ac:spMkLst>
+            <pc:docMk/>
+            <pc:sldMk cId="1119806816" sldId="298"/>
+            <ac:spMk id="2" creationId="{3B6FCC6F-9818-2388-35D7-B85855E3B873}"/>
+          </ac:spMkLst>
+        </pc:spChg>
+      </pc:sldChg>
+      <pc:sldChg chg="modSp mod">
+        <pc:chgData name="Matthieu De Mari" userId="dfb708c9-d8dc-439f-9a3b-c772bf4a311c" providerId="ADAL" clId="{87881257-A251-408C-B52F-FEE209544685}" dt="2023-01-06T16:38:45.178" v="156" actId="207"/>
+        <pc:sldMkLst>
+          <pc:docMk/>
+          <pc:sldMk cId="4277684800" sldId="299"/>
+        </pc:sldMkLst>
+        <pc:spChg chg="mod">
+          <ac:chgData name="Matthieu De Mari" userId="dfb708c9-d8dc-439f-9a3b-c772bf4a311c" providerId="ADAL" clId="{87881257-A251-408C-B52F-FEE209544685}" dt="2023-01-06T16:38:45.178" v="156" actId="207"/>
+          <ac:spMkLst>
+            <pc:docMk/>
+            <pc:sldMk cId="4277684800" sldId="299"/>
+            <ac:spMk id="2" creationId="{797930DC-FC71-8FC2-00B3-BD3D8295E24C}"/>
+          </ac:spMkLst>
+        </pc:spChg>
+      </pc:sldChg>
+      <pc:sldChg chg="modSp mod">
+        <pc:chgData name="Matthieu De Mari" userId="dfb708c9-d8dc-439f-9a3b-c772bf4a311c" providerId="ADAL" clId="{87881257-A251-408C-B52F-FEE209544685}" dt="2023-01-06T16:39:39.382" v="168" actId="20577"/>
+        <pc:sldMkLst>
+          <pc:docMk/>
+          <pc:sldMk cId="73842730" sldId="303"/>
+        </pc:sldMkLst>
+        <pc:spChg chg="mod">
+          <ac:chgData name="Matthieu De Mari" userId="dfb708c9-d8dc-439f-9a3b-c772bf4a311c" providerId="ADAL" clId="{87881257-A251-408C-B52F-FEE209544685}" dt="2023-01-06T16:39:39.382" v="168" actId="20577"/>
+          <ac:spMkLst>
+            <pc:docMk/>
+            <pc:sldMk cId="73842730" sldId="303"/>
+            <ac:spMk id="3" creationId="{68EE497E-ACE4-3C3F-62DE-338B34489842}"/>
+          </ac:spMkLst>
+        </pc:spChg>
+      </pc:sldChg>
+      <pc:sldChg chg="modSp mod">
+        <pc:chgData name="Matthieu De Mari" userId="dfb708c9-d8dc-439f-9a3b-c772bf4a311c" providerId="ADAL" clId="{87881257-A251-408C-B52F-FEE209544685}" dt="2023-01-06T16:39:04.530" v="158" actId="207"/>
+        <pc:sldMkLst>
+          <pc:docMk/>
+          <pc:sldMk cId="3196617618" sldId="305"/>
+        </pc:sldMkLst>
+        <pc:spChg chg="mod">
+          <ac:chgData name="Matthieu De Mari" userId="dfb708c9-d8dc-439f-9a3b-c772bf4a311c" providerId="ADAL" clId="{87881257-A251-408C-B52F-FEE209544685}" dt="2023-01-06T16:39:04.530" v="158" actId="207"/>
+          <ac:spMkLst>
+            <pc:docMk/>
+            <pc:sldMk cId="3196617618" sldId="305"/>
+            <ac:spMk id="2" creationId="{F28EC9DA-3777-702C-14C2-5259228F964D}"/>
+          </ac:spMkLst>
+        </pc:spChg>
+      </pc:sldChg>
     </pc:docChg>
   </pc:docChgLst>
 </pc:chgInfo>
@@ -2113,7 +2731,7 @@
           <a:p>
             <a:fld id="{4883D5E9-8116-4EC0-A73B-7B504502F662}" type="datetimeFigureOut">
               <a:rPr lang="en-SG" smtClean="0"/>
-              <a:t>16/11/2022</a:t>
+              <a:t>6/1/2023</a:t>
             </a:fld>
             <a:endParaRPr lang="en-SG"/>
           </a:p>
@@ -2313,7 +2931,7 @@
           <a:p>
             <a:fld id="{4883D5E9-8116-4EC0-A73B-7B504502F662}" type="datetimeFigureOut">
               <a:rPr lang="en-SG" smtClean="0"/>
-              <a:t>16/11/2022</a:t>
+              <a:t>6/1/2023</a:t>
             </a:fld>
             <a:endParaRPr lang="en-SG"/>
           </a:p>
@@ -2523,7 +3141,7 @@
           <a:p>
             <a:fld id="{4883D5E9-8116-4EC0-A73B-7B504502F662}" type="datetimeFigureOut">
               <a:rPr lang="en-SG" smtClean="0"/>
-              <a:t>16/11/2022</a:t>
+              <a:t>6/1/2023</a:t>
             </a:fld>
             <a:endParaRPr lang="en-SG"/>
           </a:p>
@@ -2723,7 +3341,7 @@
           <a:p>
             <a:fld id="{4883D5E9-8116-4EC0-A73B-7B504502F662}" type="datetimeFigureOut">
               <a:rPr lang="en-SG" smtClean="0"/>
-              <a:t>16/11/2022</a:t>
+              <a:t>6/1/2023</a:t>
             </a:fld>
             <a:endParaRPr lang="en-SG"/>
           </a:p>
@@ -2999,7 +3617,7 @@
           <a:p>
             <a:fld id="{4883D5E9-8116-4EC0-A73B-7B504502F662}" type="datetimeFigureOut">
               <a:rPr lang="en-SG" smtClean="0"/>
-              <a:t>16/11/2022</a:t>
+              <a:t>6/1/2023</a:t>
             </a:fld>
             <a:endParaRPr lang="en-SG"/>
           </a:p>
@@ -3267,7 +3885,7 @@
           <a:p>
             <a:fld id="{4883D5E9-8116-4EC0-A73B-7B504502F662}" type="datetimeFigureOut">
               <a:rPr lang="en-SG" smtClean="0"/>
-              <a:t>16/11/2022</a:t>
+              <a:t>6/1/2023</a:t>
             </a:fld>
             <a:endParaRPr lang="en-SG"/>
           </a:p>
@@ -3682,7 +4300,7 @@
           <a:p>
             <a:fld id="{4883D5E9-8116-4EC0-A73B-7B504502F662}" type="datetimeFigureOut">
               <a:rPr lang="en-SG" smtClean="0"/>
-              <a:t>16/11/2022</a:t>
+              <a:t>6/1/2023</a:t>
             </a:fld>
             <a:endParaRPr lang="en-SG"/>
           </a:p>
@@ -3824,7 +4442,7 @@
           <a:p>
             <a:fld id="{4883D5E9-8116-4EC0-A73B-7B504502F662}" type="datetimeFigureOut">
               <a:rPr lang="en-SG" smtClean="0"/>
-              <a:t>16/11/2022</a:t>
+              <a:t>6/1/2023</a:t>
             </a:fld>
             <a:endParaRPr lang="en-SG"/>
           </a:p>
@@ -3937,7 +4555,7 @@
           <a:p>
             <a:fld id="{4883D5E9-8116-4EC0-A73B-7B504502F662}" type="datetimeFigureOut">
               <a:rPr lang="en-SG" smtClean="0"/>
-              <a:t>16/11/2022</a:t>
+              <a:t>6/1/2023</a:t>
             </a:fld>
             <a:endParaRPr lang="en-SG"/>
           </a:p>
@@ -4250,7 +4868,7 @@
           <a:p>
             <a:fld id="{4883D5E9-8116-4EC0-A73B-7B504502F662}" type="datetimeFigureOut">
               <a:rPr lang="en-SG" smtClean="0"/>
-              <a:t>16/11/2022</a:t>
+              <a:t>6/1/2023</a:t>
             </a:fld>
             <a:endParaRPr lang="en-SG"/>
           </a:p>
@@ -4539,7 +5157,7 @@
           <a:p>
             <a:fld id="{4883D5E9-8116-4EC0-A73B-7B504502F662}" type="datetimeFigureOut">
               <a:rPr lang="en-SG" smtClean="0"/>
-              <a:t>16/11/2022</a:t>
+              <a:t>6/1/2023</a:t>
             </a:fld>
             <a:endParaRPr lang="en-SG"/>
           </a:p>
@@ -4782,7 +5400,7 @@
           <a:p>
             <a:fld id="{4883D5E9-8116-4EC0-A73B-7B504502F662}" type="datetimeFigureOut">
               <a:rPr lang="en-SG" smtClean="0"/>
-              <a:t>16/11/2022</a:t>
+              <a:t>6/1/2023</a:t>
             </a:fld>
             <a:endParaRPr lang="en-SG"/>
           </a:p>
@@ -5630,10 +6248,18 @@
           <a:lstStyle/>
           <a:p>
             <a:r>
-              <a:rPr lang="en-GB" dirty="0"/>
+              <a:rPr lang="en-GB" dirty="0">
+                <a:solidFill>
+                  <a:schemeClr val="accent2"/>
+                </a:solidFill>
+              </a:rPr>
               <a:t>A starting point for ML and DL</a:t>
             </a:r>
-            <a:endParaRPr lang="en-SG" dirty="0"/>
+            <a:endParaRPr lang="en-SG" dirty="0">
+              <a:solidFill>
+                <a:schemeClr val="accent2"/>
+              </a:solidFill>
+            </a:endParaRPr>
           </a:p>
         </p:txBody>
       </p:sp>
@@ -5732,10 +6358,18 @@
           <a:lstStyle/>
           <a:p>
             <a:r>
-              <a:rPr lang="en-GB" dirty="0"/>
+              <a:rPr lang="en-GB" dirty="0">
+                <a:solidFill>
+                  <a:schemeClr val="accent2"/>
+                </a:solidFill>
+              </a:rPr>
               <a:t>Linear regression as a least square regression problem</a:t>
             </a:r>
-            <a:endParaRPr lang="en-SG" dirty="0"/>
+            <a:endParaRPr lang="en-SG" dirty="0">
+              <a:solidFill>
+                <a:schemeClr val="accent2"/>
+              </a:solidFill>
+            </a:endParaRPr>
           </a:p>
         </p:txBody>
       </p:sp>
@@ -5847,10 +6481,18 @@
           <a:lstStyle/>
           <a:p>
             <a:r>
-              <a:rPr lang="en-GB" dirty="0"/>
+              <a:rPr lang="en-GB" dirty="0">
+                <a:solidFill>
+                  <a:schemeClr val="accent2"/>
+                </a:solidFill>
+              </a:rPr>
               <a:t>Solving the linear MSE regression problem</a:t>
             </a:r>
-            <a:endParaRPr lang="en-SG" dirty="0"/>
+            <a:endParaRPr lang="en-SG" dirty="0">
+              <a:solidFill>
+                <a:schemeClr val="accent2"/>
+              </a:solidFill>
+            </a:endParaRPr>
           </a:p>
         </p:txBody>
       </p:sp>
@@ -5873,13 +6515,13 @@
         <p:spPr/>
         <p:txBody>
           <a:bodyPr>
-            <a:normAutofit/>
+            <a:normAutofit lnSpcReduction="10000"/>
           </a:bodyPr>
           <a:lstStyle/>
           <a:p>
             <a:r>
               <a:rPr lang="en-SG" dirty="0"/>
-              <a:t>How to find the optimal parameters (Lagrange coefficients)</a:t>
+              <a:t>How to find the optimal parameters (Lagrange coefficients) or Normal Equation</a:t>
             </a:r>
           </a:p>
           <a:p>
@@ -6000,10 +6642,18 @@
           <a:lstStyle/>
           <a:p>
             <a:r>
-              <a:rPr lang="en-GB" dirty="0"/>
+              <a:rPr lang="en-GB" dirty="0">
+                <a:solidFill>
+                  <a:schemeClr val="accent2"/>
+                </a:solidFill>
+              </a:rPr>
               <a:t>A visual explanation for w and b parameters</a:t>
             </a:r>
-            <a:endParaRPr lang="en-SG" dirty="0"/>
+            <a:endParaRPr lang="en-SG" dirty="0">
+              <a:solidFill>
+                <a:schemeClr val="accent2"/>
+              </a:solidFill>
+            </a:endParaRPr>
           </a:p>
         </p:txBody>
       </p:sp>
@@ -6106,10 +6756,18 @@
           <a:lstStyle/>
           <a:p>
             <a:r>
-              <a:rPr lang="en-GB" dirty="0"/>
+              <a:rPr lang="en-GB" dirty="0">
+                <a:solidFill>
+                  <a:schemeClr val="accent2"/>
+                </a:solidFill>
+              </a:rPr>
               <a:t>The need for a train/test set</a:t>
             </a:r>
-            <a:endParaRPr lang="en-SG" dirty="0"/>
+            <a:endParaRPr lang="en-SG" dirty="0">
+              <a:solidFill>
+                <a:schemeClr val="accent2"/>
+              </a:solidFill>
+            </a:endParaRPr>
           </a:p>
         </p:txBody>
       </p:sp>
@@ -6233,10 +6891,18 @@
           <a:lstStyle/>
           <a:p>
             <a:r>
-              <a:rPr lang="en-GB" dirty="0"/>
+              <a:rPr lang="en-GB" dirty="0">
+                <a:solidFill>
+                  <a:schemeClr val="accent2"/>
+                </a:solidFill>
+              </a:rPr>
               <a:t>On the polynomial regression </a:t>
             </a:r>
-            <a:endParaRPr lang="en-SG" dirty="0"/>
+            <a:endParaRPr lang="en-SG" dirty="0">
+              <a:solidFill>
+                <a:schemeClr val="accent2"/>
+              </a:solidFill>
+            </a:endParaRPr>
           </a:p>
         </p:txBody>
       </p:sp>
@@ -6339,10 +7005,18 @@
           <a:lstStyle/>
           <a:p>
             <a:r>
-              <a:rPr lang="en-GB" dirty="0"/>
+              <a:rPr lang="en-GB" dirty="0">
+                <a:solidFill>
+                  <a:schemeClr val="accent2"/>
+                </a:solidFill>
+              </a:rPr>
               <a:t>Recap slide on overfitting vs underfitting</a:t>
             </a:r>
-            <a:endParaRPr lang="en-SG" dirty="0"/>
+            <a:endParaRPr lang="en-SG" dirty="0">
+              <a:solidFill>
+                <a:schemeClr val="accent2"/>
+              </a:solidFill>
+            </a:endParaRPr>
           </a:p>
         </p:txBody>
       </p:sp>
@@ -6465,10 +7139,18 @@
           <a:lstStyle/>
           <a:p>
             <a:r>
-              <a:rPr lang="en-GB" dirty="0"/>
+              <a:rPr lang="en-GB" dirty="0">
+                <a:solidFill>
+                  <a:schemeClr val="accent2"/>
+                </a:solidFill>
+              </a:rPr>
               <a:t>Data must follow complexity of the model</a:t>
             </a:r>
-            <a:endParaRPr lang="en-SG" dirty="0"/>
+            <a:endParaRPr lang="en-SG" dirty="0">
+              <a:solidFill>
+                <a:schemeClr val="accent2"/>
+              </a:solidFill>
+            </a:endParaRPr>
           </a:p>
         </p:txBody>
       </p:sp>
@@ -6501,7 +7183,7 @@
           <a:p>
             <a:r>
               <a:rPr lang="en-GB" dirty="0"/>
-              <a:t>Use example to demonstrate</a:t>
+              <a:t>Use example to demonstrate?</a:t>
             </a:r>
           </a:p>
           <a:p>
@@ -6591,10 +7273,18 @@
           <a:lstStyle/>
           <a:p>
             <a:r>
-              <a:rPr lang="en-GB" dirty="0"/>
+              <a:rPr lang="en-GB" dirty="0">
+                <a:solidFill>
+                  <a:srgbClr val="00B050"/>
+                </a:solidFill>
+              </a:rPr>
               <a:t>About instructor and TA</a:t>
             </a:r>
-            <a:endParaRPr lang="en-SG" dirty="0"/>
+            <a:endParaRPr lang="en-SG" dirty="0">
+              <a:solidFill>
+                <a:srgbClr val="00B050"/>
+              </a:solidFill>
+            </a:endParaRPr>
           </a:p>
         </p:txBody>
       </p:sp>
@@ -6679,10 +7369,18 @@
           <a:lstStyle/>
           <a:p>
             <a:r>
-              <a:rPr lang="en-GB" dirty="0"/>
+              <a:rPr lang="en-GB" dirty="0">
+                <a:solidFill>
+                  <a:schemeClr val="accent2"/>
+                </a:solidFill>
+              </a:rPr>
               <a:t>From polynomial regression to multiparameter regression</a:t>
             </a:r>
-            <a:endParaRPr lang="en-SG" dirty="0"/>
+            <a:endParaRPr lang="en-SG" dirty="0">
+              <a:solidFill>
+                <a:schemeClr val="accent2"/>
+              </a:solidFill>
+            </a:endParaRPr>
           </a:p>
         </p:txBody>
       </p:sp>
@@ -6786,10 +7484,18 @@
           <a:lstStyle/>
           <a:p>
             <a:r>
-              <a:rPr lang="en-GB" dirty="0"/>
+              <a:rPr lang="en-GB" dirty="0">
+                <a:solidFill>
+                  <a:schemeClr val="accent2"/>
+                </a:solidFill>
+              </a:rPr>
               <a:t>Derivatives, gradients and backprop</a:t>
             </a:r>
-            <a:endParaRPr lang="en-SG" dirty="0"/>
+            <a:endParaRPr lang="en-SG" dirty="0">
+              <a:solidFill>
+                <a:schemeClr val="accent2"/>
+              </a:solidFill>
+            </a:endParaRPr>
           </a:p>
         </p:txBody>
       </p:sp>
@@ -6893,10 +7599,18 @@
           <a:lstStyle/>
           <a:p>
             <a:r>
-              <a:rPr lang="en-GB" dirty="0"/>
+              <a:rPr lang="en-GB" dirty="0">
+                <a:solidFill>
+                  <a:schemeClr val="accent2"/>
+                </a:solidFill>
+              </a:rPr>
               <a:t>Reminder on gradients</a:t>
             </a:r>
-            <a:endParaRPr lang="en-SG" dirty="0"/>
+            <a:endParaRPr lang="en-SG" dirty="0">
+              <a:solidFill>
+                <a:schemeClr val="accent2"/>
+              </a:solidFill>
+            </a:endParaRPr>
           </a:p>
         </p:txBody>
       </p:sp>
@@ -6996,10 +7710,18 @@
           <a:lstStyle/>
           <a:p>
             <a:r>
-              <a:rPr lang="en-GB" dirty="0"/>
+              <a:rPr lang="en-GB" dirty="0">
+                <a:solidFill>
+                  <a:schemeClr val="accent2"/>
+                </a:solidFill>
+              </a:rPr>
               <a:t>From linear to ridge regression</a:t>
             </a:r>
-            <a:endParaRPr lang="en-SG" dirty="0"/>
+            <a:endParaRPr lang="en-SG" dirty="0">
+              <a:solidFill>
+                <a:schemeClr val="accent2"/>
+              </a:solidFill>
+            </a:endParaRPr>
           </a:p>
         </p:txBody>
       </p:sp>
@@ -7095,10 +7817,18 @@
           <a:lstStyle/>
           <a:p>
             <a:r>
-              <a:rPr lang="en-GB" dirty="0"/>
+              <a:rPr lang="en-GB" dirty="0">
+                <a:solidFill>
+                  <a:schemeClr val="accent2"/>
+                </a:solidFill>
+              </a:rPr>
               <a:t>From linear regression to (binary) logistic regression for (binary) classification</a:t>
             </a:r>
-            <a:endParaRPr lang="en-SG" dirty="0"/>
+            <a:endParaRPr lang="en-SG" dirty="0">
+              <a:solidFill>
+                <a:schemeClr val="accent2"/>
+              </a:solidFill>
+            </a:endParaRPr>
           </a:p>
         </p:txBody>
       </p:sp>
@@ -7260,10 +7990,18 @@
           <a:lstStyle/>
           <a:p>
             <a:r>
-              <a:rPr lang="en-GB" dirty="0"/>
+              <a:rPr lang="en-GB" dirty="0">
+                <a:solidFill>
+                  <a:schemeClr val="accent2"/>
+                </a:solidFill>
+              </a:rPr>
               <a:t>Combining everything in logistic regression</a:t>
             </a:r>
-            <a:endParaRPr lang="en-SG" dirty="0"/>
+            <a:endParaRPr lang="en-SG" dirty="0">
+              <a:solidFill>
+                <a:schemeClr val="accent2"/>
+              </a:solidFill>
+            </a:endParaRPr>
           </a:p>
         </p:txBody>
       </p:sp>
@@ -7412,10 +8150,18 @@
           <a:lstStyle/>
           <a:p>
             <a:r>
-              <a:rPr lang="en-GB" dirty="0"/>
+              <a:rPr lang="en-GB" dirty="0">
+                <a:solidFill>
+                  <a:schemeClr val="accent2"/>
+                </a:solidFill>
+              </a:rPr>
               <a:t>Deriving the logistic loss function</a:t>
             </a:r>
-            <a:endParaRPr lang="en-SG" dirty="0"/>
+            <a:endParaRPr lang="en-SG" dirty="0">
+              <a:solidFill>
+                <a:schemeClr val="accent2"/>
+              </a:solidFill>
+            </a:endParaRPr>
           </a:p>
         </p:txBody>
       </p:sp>
@@ -7557,10 +8303,18 @@
           <a:lstStyle/>
           <a:p>
             <a:r>
-              <a:rPr lang="en-GB" dirty="0"/>
+              <a:rPr lang="en-GB" dirty="0">
+                <a:solidFill>
+                  <a:srgbClr val="FF0000"/>
+                </a:solidFill>
+              </a:rPr>
               <a:t>Discussion about biology and neurons</a:t>
             </a:r>
-            <a:endParaRPr lang="en-SG" dirty="0"/>
+            <a:endParaRPr lang="en-SG" dirty="0">
+              <a:solidFill>
+                <a:srgbClr val="FF0000"/>
+              </a:solidFill>
+            </a:endParaRPr>
           </a:p>
         </p:txBody>
       </p:sp>
@@ -7604,7 +8358,11 @@
           </a:p>
           <a:p>
             <a:r>
-              <a:rPr lang="en-GB" dirty="0"/>
+              <a:rPr lang="en-GB" b="1" dirty="0">
+                <a:solidFill>
+                  <a:srgbClr val="FF0000"/>
+                </a:solidFill>
+              </a:rPr>
               <a:t>A single perceptron cannot solve XOR! (demo based on L7 LJ)</a:t>
             </a:r>
           </a:p>
@@ -7697,10 +8455,18 @@
           <a:lstStyle/>
           <a:p>
             <a:r>
-              <a:rPr lang="en-GB" dirty="0"/>
+              <a:rPr lang="en-GB" dirty="0">
+                <a:solidFill>
+                  <a:schemeClr val="accent2"/>
+                </a:solidFill>
+              </a:rPr>
               <a:t>Shallow NN</a:t>
             </a:r>
-            <a:endParaRPr lang="en-SG" dirty="0"/>
+            <a:endParaRPr lang="en-SG" dirty="0">
+              <a:solidFill>
+                <a:schemeClr val="accent2"/>
+              </a:solidFill>
+            </a:endParaRPr>
           </a:p>
         </p:txBody>
       </p:sp>
@@ -7808,10 +8574,18 @@
           <a:lstStyle/>
           <a:p>
             <a:r>
-              <a:rPr lang="en-GB" dirty="0"/>
+              <a:rPr lang="en-GB" dirty="0">
+                <a:solidFill>
+                  <a:schemeClr val="accent2"/>
+                </a:solidFill>
+              </a:rPr>
               <a:t>What happens if we do not have activation functions on all neurons?</a:t>
             </a:r>
-            <a:endParaRPr lang="en-SG" dirty="0"/>
+            <a:endParaRPr lang="en-SG" dirty="0">
+              <a:solidFill>
+                <a:schemeClr val="accent2"/>
+              </a:solidFill>
+            </a:endParaRPr>
           </a:p>
         </p:txBody>
       </p:sp>
@@ -7902,10 +8676,18 @@
           <a:lstStyle/>
           <a:p>
             <a:r>
-              <a:rPr lang="en-GB" dirty="0"/>
+              <a:rPr lang="en-GB" dirty="0">
+                <a:solidFill>
+                  <a:srgbClr val="00B050"/>
+                </a:solidFill>
+              </a:rPr>
               <a:t>Skills needed for the course</a:t>
             </a:r>
-            <a:endParaRPr lang="en-SG" dirty="0"/>
+            <a:endParaRPr lang="en-SG" dirty="0">
+              <a:solidFill>
+                <a:srgbClr val="00B050"/>
+              </a:solidFill>
+            </a:endParaRPr>
           </a:p>
         </p:txBody>
       </p:sp>
@@ -8017,10 +8799,18 @@
           <a:lstStyle/>
           <a:p>
             <a:r>
-              <a:rPr lang="en-GB" dirty="0"/>
+              <a:rPr lang="en-GB" dirty="0">
+                <a:solidFill>
+                  <a:schemeClr val="accent2"/>
+                </a:solidFill>
+              </a:rPr>
               <a:t>Discussing possible activation functions</a:t>
             </a:r>
-            <a:endParaRPr lang="en-SG" dirty="0"/>
+            <a:endParaRPr lang="en-SG" dirty="0">
+              <a:solidFill>
+                <a:schemeClr val="accent2"/>
+              </a:solidFill>
+            </a:endParaRPr>
           </a:p>
         </p:txBody>
       </p:sp>
@@ -8144,10 +8934,18 @@
           <a:lstStyle/>
           <a:p>
             <a:r>
-              <a:rPr lang="en-GB" dirty="0"/>
+              <a:rPr lang="en-GB" dirty="0">
+                <a:solidFill>
+                  <a:schemeClr val="accent2"/>
+                </a:solidFill>
+              </a:rPr>
               <a:t>Show that Shallow NNs are good</a:t>
             </a:r>
-            <a:endParaRPr lang="en-SG" dirty="0"/>
+            <a:endParaRPr lang="en-SG" dirty="0">
+              <a:solidFill>
+                <a:schemeClr val="accent2"/>
+              </a:solidFill>
+            </a:endParaRPr>
           </a:p>
         </p:txBody>
       </p:sp>
@@ -8250,10 +9048,18 @@
           <a:lstStyle/>
           <a:p>
             <a:r>
-              <a:rPr lang="en-GB" dirty="0"/>
+              <a:rPr lang="en-GB" dirty="0">
+                <a:solidFill>
+                  <a:schemeClr val="accent2"/>
+                </a:solidFill>
+              </a:rPr>
               <a:t>Possible initializations</a:t>
             </a:r>
-            <a:endParaRPr lang="en-SG" dirty="0"/>
+            <a:endParaRPr lang="en-SG" dirty="0">
+              <a:solidFill>
+                <a:schemeClr val="accent2"/>
+              </a:solidFill>
+            </a:endParaRPr>
           </a:p>
         </p:txBody>
       </p:sp>
@@ -8374,10 +9180,18 @@
           <a:lstStyle/>
           <a:p>
             <a:r>
-              <a:rPr lang="en-GB" dirty="0"/>
+              <a:rPr lang="en-GB" dirty="0">
+                <a:solidFill>
+                  <a:schemeClr val="accent2"/>
+                </a:solidFill>
+              </a:rPr>
               <a:t>Gradients, gradient descent, computation graph definitions, backprop concept</a:t>
             </a:r>
-            <a:endParaRPr lang="en-SG" dirty="0"/>
+            <a:endParaRPr lang="en-SG" dirty="0">
+              <a:solidFill>
+                <a:schemeClr val="accent2"/>
+              </a:solidFill>
+            </a:endParaRPr>
           </a:p>
         </p:txBody>
       </p:sp>
@@ -8490,10 +9304,18 @@
           <a:lstStyle/>
           <a:p>
             <a:r>
-              <a:rPr lang="en-GB" dirty="0"/>
+              <a:rPr lang="en-GB" dirty="0">
+                <a:solidFill>
+                  <a:schemeClr val="accent2"/>
+                </a:solidFill>
+              </a:rPr>
               <a:t>Training curves/Performance metrics</a:t>
             </a:r>
-            <a:endParaRPr lang="en-SG" dirty="0"/>
+            <a:endParaRPr lang="en-SG" dirty="0">
+              <a:solidFill>
+                <a:schemeClr val="accent2"/>
+              </a:solidFill>
+            </a:endParaRPr>
           </a:p>
         </p:txBody>
       </p:sp>
@@ -8621,10 +9443,18 @@
           <a:lstStyle/>
           <a:p>
             <a:r>
-              <a:rPr lang="en-GB" dirty="0"/>
+              <a:rPr lang="en-GB" dirty="0">
+                <a:solidFill>
+                  <a:schemeClr val="accent2"/>
+                </a:solidFill>
+              </a:rPr>
               <a:t>Tensor (what are they)</a:t>
             </a:r>
-            <a:endParaRPr lang="en-SG" dirty="0"/>
+            <a:endParaRPr lang="en-SG" dirty="0">
+              <a:solidFill>
+                <a:schemeClr val="accent2"/>
+              </a:solidFill>
+            </a:endParaRPr>
           </a:p>
         </p:txBody>
       </p:sp>
@@ -8741,18 +9571,34 @@
           <a:lstStyle/>
           <a:p>
             <a:r>
-              <a:rPr lang="en-GB" dirty="0"/>
+              <a:rPr lang="en-GB" dirty="0">
+                <a:solidFill>
+                  <a:schemeClr val="accent2"/>
+                </a:solidFill>
+              </a:rPr>
               <a:t>Conversions </a:t>
             </a:r>
             <a:r>
-              <a:rPr lang="en-GB" dirty="0" err="1"/>
+              <a:rPr lang="en-GB" dirty="0" err="1">
+                <a:solidFill>
+                  <a:schemeClr val="accent2"/>
+                </a:solidFill>
+              </a:rPr>
               <a:t>Numpy</a:t>
             </a:r>
             <a:r>
-              <a:rPr lang="en-GB" dirty="0"/>
+              <a:rPr lang="en-GB" dirty="0">
+                <a:solidFill>
+                  <a:schemeClr val="accent2"/>
+                </a:solidFill>
+              </a:rPr>
               <a:t> &lt;-&gt; Tensors</a:t>
             </a:r>
-            <a:endParaRPr lang="en-SG" dirty="0"/>
+            <a:endParaRPr lang="en-SG" dirty="0">
+              <a:solidFill>
+                <a:schemeClr val="accent2"/>
+              </a:solidFill>
+            </a:endParaRPr>
           </a:p>
         </p:txBody>
       </p:sp>
@@ -8845,10 +9691,18 @@
           <a:lstStyle/>
           <a:p>
             <a:r>
-              <a:rPr lang="en-GB" dirty="0"/>
+              <a:rPr lang="en-GB" dirty="0">
+                <a:solidFill>
+                  <a:schemeClr val="accent2"/>
+                </a:solidFill>
+              </a:rPr>
               <a:t>Algebraic operations on tensors</a:t>
             </a:r>
-            <a:endParaRPr lang="en-SG" dirty="0"/>
+            <a:endParaRPr lang="en-SG" dirty="0">
+              <a:solidFill>
+                <a:schemeClr val="accent2"/>
+              </a:solidFill>
+            </a:endParaRPr>
           </a:p>
         </p:txBody>
       </p:sp>
@@ -9002,10 +9856,18 @@
           <a:lstStyle/>
           <a:p>
             <a:r>
-              <a:rPr lang="en-GB" dirty="0"/>
+              <a:rPr lang="en-GB" dirty="0">
+                <a:solidFill>
+                  <a:schemeClr val="accent2"/>
+                </a:solidFill>
+              </a:rPr>
               <a:t>A quick word about broadcasting and vectorizing operations</a:t>
             </a:r>
-            <a:endParaRPr lang="en-SG" dirty="0"/>
+            <a:endParaRPr lang="en-SG" dirty="0">
+              <a:solidFill>
+                <a:schemeClr val="accent2"/>
+              </a:solidFill>
+            </a:endParaRPr>
           </a:p>
         </p:txBody>
       </p:sp>
@@ -9225,10 +10087,18 @@
           <a:lstStyle/>
           <a:p>
             <a:r>
-              <a:rPr lang="en-GB" dirty="0"/>
+              <a:rPr lang="en-GB" dirty="0">
+                <a:solidFill>
+                  <a:srgbClr val="00B050"/>
+                </a:solidFill>
+              </a:rPr>
               <a:t>Syllabus (week by week explanation)</a:t>
             </a:r>
-            <a:endParaRPr lang="en-SG" dirty="0"/>
+            <a:endParaRPr lang="en-SG" dirty="0">
+              <a:solidFill>
+                <a:srgbClr val="00B050"/>
+              </a:solidFill>
+            </a:endParaRPr>
           </a:p>
         </p:txBody>
       </p:sp>
@@ -9309,14 +10179,26 @@
           <a:lstStyle/>
           <a:p>
             <a:r>
-              <a:rPr lang="en-GB" dirty="0"/>
+              <a:rPr lang="en-GB" dirty="0">
+                <a:solidFill>
+                  <a:schemeClr val="accent2"/>
+                </a:solidFill>
+              </a:rPr>
               <a:t>Creating a basic NN in </a:t>
             </a:r>
             <a:r>
-              <a:rPr lang="en-GB" dirty="0" err="1"/>
+              <a:rPr lang="en-GB" dirty="0" err="1">
+                <a:solidFill>
+                  <a:schemeClr val="accent2"/>
+                </a:solidFill>
+              </a:rPr>
               <a:t>PyTorch</a:t>
             </a:r>
-            <a:endParaRPr lang="en-SG" dirty="0"/>
+            <a:endParaRPr lang="en-SG" dirty="0">
+              <a:solidFill>
+                <a:schemeClr val="accent2"/>
+              </a:solidFill>
+            </a:endParaRPr>
           </a:p>
         </p:txBody>
       </p:sp>
@@ -9468,10 +10350,18 @@
           <a:lstStyle/>
           <a:p>
             <a:r>
-              <a:rPr lang="en-GB" dirty="0"/>
+              <a:rPr lang="en-GB" dirty="0">
+                <a:solidFill>
+                  <a:schemeClr val="accent2"/>
+                </a:solidFill>
+              </a:rPr>
               <a:t>Backpropagation</a:t>
             </a:r>
-            <a:endParaRPr lang="en-SG" dirty="0"/>
+            <a:endParaRPr lang="en-SG" dirty="0">
+              <a:solidFill>
+                <a:schemeClr val="accent2"/>
+              </a:solidFill>
+            </a:endParaRPr>
           </a:p>
         </p:txBody>
       </p:sp>
@@ -9576,26 +10466,50 @@
           <a:lstStyle/>
           <a:p>
             <a:r>
-              <a:rPr lang="en-GB" dirty="0"/>
+              <a:rPr lang="en-GB" dirty="0">
+                <a:solidFill>
+                  <a:schemeClr val="accent2"/>
+                </a:solidFill>
+              </a:rPr>
               <a:t>The </a:t>
             </a:r>
             <a:r>
-              <a:rPr lang="en-GB" dirty="0" err="1"/>
+              <a:rPr lang="en-GB" dirty="0" err="1">
+                <a:solidFill>
+                  <a:schemeClr val="accent2"/>
+                </a:solidFill>
+              </a:rPr>
               <a:t>autograd</a:t>
             </a:r>
             <a:r>
-              <a:rPr lang="en-GB" dirty="0"/>
+              <a:rPr lang="en-GB" dirty="0">
+                <a:solidFill>
+                  <a:schemeClr val="accent2"/>
+                </a:solidFill>
+              </a:rPr>
               <a:t>, aka as </a:t>
             </a:r>
             <a:r>
-              <a:rPr lang="en-GB" dirty="0" err="1"/>
+              <a:rPr lang="en-GB" dirty="0" err="1">
+                <a:solidFill>
+                  <a:schemeClr val="accent2"/>
+                </a:solidFill>
+              </a:rPr>
               <a:t>PyTorch’s</a:t>
             </a:r>
             <a:r>
-              <a:rPr lang="en-GB" dirty="0"/>
+              <a:rPr lang="en-GB" dirty="0">
+                <a:solidFill>
+                  <a:schemeClr val="accent2"/>
+                </a:solidFill>
+              </a:rPr>
               <a:t> beast</a:t>
             </a:r>
-            <a:endParaRPr lang="en-SG" dirty="0"/>
+            <a:endParaRPr lang="en-SG" dirty="0">
+              <a:solidFill>
+                <a:schemeClr val="accent2"/>
+              </a:solidFill>
+            </a:endParaRPr>
           </a:p>
         </p:txBody>
       </p:sp>
@@ -10104,10 +11018,18 @@
           <a:lstStyle/>
           <a:p>
             <a:r>
-              <a:rPr lang="en-GB" dirty="0"/>
+              <a:rPr lang="en-GB" dirty="0">
+                <a:solidFill>
+                  <a:schemeClr val="accent2"/>
+                </a:solidFill>
+              </a:rPr>
               <a:t>Vanishing and exploding gradient problems</a:t>
             </a:r>
-            <a:endParaRPr lang="en-SG" dirty="0"/>
+            <a:endParaRPr lang="en-SG" dirty="0">
+              <a:solidFill>
+                <a:schemeClr val="accent2"/>
+              </a:solidFill>
+            </a:endParaRPr>
           </a:p>
         </p:txBody>
       </p:sp>
@@ -10312,7 +11234,7 @@
             </a:pPr>
             <a:r>
               <a:rPr lang="en-GB" dirty="0"/>
-              <a:t>Bias and Variance</a:t>
+              <a:t>A word on Bias and Variance</a:t>
             </a:r>
           </a:p>
           <a:p>
@@ -11925,10 +12847,18 @@
           <a:lstStyle/>
           <a:p>
             <a:r>
-              <a:rPr lang="en-GB" dirty="0"/>
+              <a:rPr lang="en-GB" dirty="0">
+                <a:solidFill>
+                  <a:srgbClr val="00B050"/>
+                </a:solidFill>
+              </a:rPr>
               <a:t>Grading</a:t>
             </a:r>
-            <a:endParaRPr lang="en-SG" dirty="0"/>
+            <a:endParaRPr lang="en-SG" dirty="0">
+              <a:solidFill>
+                <a:srgbClr val="00B050"/>
+              </a:solidFill>
+            </a:endParaRPr>
           </a:p>
         </p:txBody>
       </p:sp>
@@ -13330,14 +14260,26 @@
           <a:lstStyle/>
           <a:p>
             <a:r>
-              <a:rPr lang="en-GB" dirty="0" err="1"/>
+              <a:rPr lang="en-GB" dirty="0" err="1">
+                <a:solidFill>
+                  <a:srgbClr val="00B050"/>
+                </a:solidFill>
+              </a:rPr>
               <a:t>PyTorch</a:t>
             </a:r>
             <a:r>
-              <a:rPr lang="en-GB" dirty="0"/>
+              <a:rPr lang="en-GB" dirty="0">
+                <a:solidFill>
+                  <a:srgbClr val="00B050"/>
+                </a:solidFill>
+              </a:rPr>
               <a:t> as the chosen framework</a:t>
             </a:r>
-            <a:endParaRPr lang="en-SG" dirty="0"/>
+            <a:endParaRPr lang="en-SG" dirty="0">
+              <a:solidFill>
+                <a:srgbClr val="00B050"/>
+              </a:solidFill>
+            </a:endParaRPr>
           </a:p>
         </p:txBody>
       </p:sp>
@@ -13444,18 +14386,34 @@
           <a:lstStyle/>
           <a:p>
             <a:r>
-              <a:rPr lang="en-GB" dirty="0"/>
+              <a:rPr lang="en-GB" dirty="0">
+                <a:solidFill>
+                  <a:srgbClr val="00B050"/>
+                </a:solidFill>
+              </a:rPr>
               <a:t>How to install </a:t>
             </a:r>
             <a:r>
-              <a:rPr lang="en-GB" dirty="0" err="1"/>
+              <a:rPr lang="en-GB" dirty="0" err="1">
+                <a:solidFill>
+                  <a:srgbClr val="00B050"/>
+                </a:solidFill>
+              </a:rPr>
               <a:t>PyTorch</a:t>
             </a:r>
             <a:r>
-              <a:rPr lang="en-GB" dirty="0"/>
+              <a:rPr lang="en-GB" dirty="0">
+                <a:solidFill>
+                  <a:srgbClr val="00B050"/>
+                </a:solidFill>
+              </a:rPr>
               <a:t> and enable CUDA</a:t>
             </a:r>
-            <a:endParaRPr lang="en-SG" dirty="0"/>
+            <a:endParaRPr lang="en-SG" dirty="0">
+              <a:solidFill>
+                <a:srgbClr val="00B050"/>
+              </a:solidFill>
+            </a:endParaRPr>
           </a:p>
         </p:txBody>
       </p:sp>
@@ -13582,10 +14540,18 @@
           <a:lstStyle/>
           <a:p>
             <a:r>
-              <a:rPr lang="en-GB" dirty="0"/>
+              <a:rPr lang="en-GB" dirty="0">
+                <a:solidFill>
+                  <a:schemeClr val="accent2"/>
+                </a:solidFill>
+              </a:rPr>
               <a:t>AI, ML, NN and DL differences</a:t>
             </a:r>
-            <a:endParaRPr lang="en-SG" dirty="0"/>
+            <a:endParaRPr lang="en-SG" dirty="0">
+              <a:solidFill>
+                <a:schemeClr val="accent2"/>
+              </a:solidFill>
+            </a:endParaRPr>
           </a:p>
         </p:txBody>
       </p:sp>
@@ -13613,6 +14579,18 @@
             <a:r>
               <a:rPr lang="en-GB" dirty="0"/>
               <a:t>Important concepts</a:t>
+            </a:r>
+          </a:p>
+          <a:p>
+            <a:r>
+              <a:rPr lang="en-GB" dirty="0"/>
+              <a:t>Supervised vs. Unsupervised</a:t>
+            </a:r>
+          </a:p>
+          <a:p>
+            <a:r>
+              <a:rPr lang="en-GB" dirty="0"/>
+              <a:t>Why ML is needed in some problems (last resort?)</a:t>
             </a:r>
             <a:endParaRPr lang="en-SG" dirty="0"/>
           </a:p>

--- a/Org.pptx
+++ b/Org.pptx
@@ -1956,18 +1956,48 @@
   <pc:docChgLst>
     <pc:chgData name="Matthieu De Mari" userId="dfb708c9-d8dc-439f-9a3b-c772bf4a311c" providerId="ADAL" clId="{87881257-A251-408C-B52F-FEE209544685}"/>
     <pc:docChg chg="custSel modSld">
-      <pc:chgData name="Matthieu De Mari" userId="dfb708c9-d8dc-439f-9a3b-c772bf4a311c" providerId="ADAL" clId="{87881257-A251-408C-B52F-FEE209544685}" dt="2023-01-06T16:39:39.382" v="168" actId="20577"/>
+      <pc:chgData name="Matthieu De Mari" userId="dfb708c9-d8dc-439f-9a3b-c772bf4a311c" providerId="ADAL" clId="{87881257-A251-408C-B52F-FEE209544685}" dt="2023-01-23T04:58:09.801" v="201" actId="207"/>
       <pc:docMkLst>
         <pc:docMk/>
       </pc:docMkLst>
       <pc:sldChg chg="modSp mod">
-        <pc:chgData name="Matthieu De Mari" userId="dfb708c9-d8dc-439f-9a3b-c772bf4a311c" providerId="ADAL" clId="{87881257-A251-408C-B52F-FEE209544685}" dt="2023-01-06T16:35:42.146" v="103" actId="207"/>
+        <pc:chgData name="Matthieu De Mari" userId="dfb708c9-d8dc-439f-9a3b-c772bf4a311c" providerId="ADAL" clId="{87881257-A251-408C-B52F-FEE209544685}" dt="2023-01-23T04:57:36.993" v="198" actId="207"/>
+        <pc:sldMkLst>
+          <pc:docMk/>
+          <pc:sldMk cId="640029402" sldId="257"/>
+        </pc:sldMkLst>
+        <pc:spChg chg="mod">
+          <ac:chgData name="Matthieu De Mari" userId="dfb708c9-d8dc-439f-9a3b-c772bf4a311c" providerId="ADAL" clId="{87881257-A251-408C-B52F-FEE209544685}" dt="2023-01-23T04:57:36.993" v="198" actId="207"/>
+          <ac:spMkLst>
+            <pc:docMk/>
+            <pc:sldMk cId="640029402" sldId="257"/>
+            <ac:spMk id="2" creationId="{F1EA9723-7B37-984E-761B-02D2BCB6AEA5}"/>
+          </ac:spMkLst>
+        </pc:spChg>
+      </pc:sldChg>
+      <pc:sldChg chg="modSp mod">
+        <pc:chgData name="Matthieu De Mari" userId="dfb708c9-d8dc-439f-9a3b-c772bf4a311c" providerId="ADAL" clId="{87881257-A251-408C-B52F-FEE209544685}" dt="2023-01-23T04:57:42.211" v="199" actId="207"/>
+        <pc:sldMkLst>
+          <pc:docMk/>
+          <pc:sldMk cId="512894815" sldId="258"/>
+        </pc:sldMkLst>
+        <pc:spChg chg="mod">
+          <ac:chgData name="Matthieu De Mari" userId="dfb708c9-d8dc-439f-9a3b-c772bf4a311c" providerId="ADAL" clId="{87881257-A251-408C-B52F-FEE209544685}" dt="2023-01-23T04:57:42.211" v="199" actId="207"/>
+          <ac:spMkLst>
+            <pc:docMk/>
+            <pc:sldMk cId="512894815" sldId="258"/>
+            <ac:spMk id="2" creationId="{3BE026C2-EE22-7114-75F6-6EF59A598FA2}"/>
+          </ac:spMkLst>
+        </pc:spChg>
+      </pc:sldChg>
+      <pc:sldChg chg="modSp mod">
+        <pc:chgData name="Matthieu De Mari" userId="dfb708c9-d8dc-439f-9a3b-c772bf4a311c" providerId="ADAL" clId="{87881257-A251-408C-B52F-FEE209544685}" dt="2023-01-23T04:57:34.184" v="197" actId="207"/>
         <pc:sldMkLst>
           <pc:docMk/>
           <pc:sldMk cId="737984391" sldId="259"/>
         </pc:sldMkLst>
         <pc:spChg chg="mod">
-          <ac:chgData name="Matthieu De Mari" userId="dfb708c9-d8dc-439f-9a3b-c772bf4a311c" providerId="ADAL" clId="{87881257-A251-408C-B52F-FEE209544685}" dt="2023-01-06T16:35:42.146" v="103" actId="207"/>
+          <ac:chgData name="Matthieu De Mari" userId="dfb708c9-d8dc-439f-9a3b-c772bf4a311c" providerId="ADAL" clId="{87881257-A251-408C-B52F-FEE209544685}" dt="2023-01-23T04:57:34.184" v="197" actId="207"/>
           <ac:spMkLst>
             <pc:docMk/>
             <pc:sldMk cId="737984391" sldId="259"/>
@@ -2014,7 +2044,7 @@
         </pc:spChg>
       </pc:sldChg>
       <pc:sldChg chg="modSp mod">
-        <pc:chgData name="Matthieu De Mari" userId="dfb708c9-d8dc-439f-9a3b-c772bf4a311c" providerId="ADAL" clId="{87881257-A251-408C-B52F-FEE209544685}" dt="2023-01-06T16:34:32.231" v="4" actId="207"/>
+        <pc:chgData name="Matthieu De Mari" userId="dfb708c9-d8dc-439f-9a3b-c772bf4a311c" providerId="ADAL" clId="{87881257-A251-408C-B52F-FEE209544685}" dt="2023-01-23T02:05:38.299" v="196" actId="20577"/>
         <pc:sldMkLst>
           <pc:docMk/>
           <pc:sldMk cId="2825313071" sldId="262"/>
@@ -2025,6 +2055,14 @@
             <pc:docMk/>
             <pc:sldMk cId="2825313071" sldId="262"/>
             <ac:spMk id="2" creationId="{17F9F432-384E-0E63-A415-3C6F159D0913}"/>
+          </ac:spMkLst>
+        </pc:spChg>
+        <pc:spChg chg="mod">
+          <ac:chgData name="Matthieu De Mari" userId="dfb708c9-d8dc-439f-9a3b-c772bf4a311c" providerId="ADAL" clId="{87881257-A251-408C-B52F-FEE209544685}" dt="2023-01-23T02:05:38.299" v="196" actId="20577"/>
+          <ac:spMkLst>
+            <pc:docMk/>
+            <pc:sldMk cId="2825313071" sldId="262"/>
+            <ac:spMk id="3" creationId="{688A0069-2E75-BE38-DE3D-60C04B3DF374}"/>
           </ac:spMkLst>
         </pc:spChg>
       </pc:sldChg>
@@ -2089,13 +2127,13 @@
         </pc:spChg>
       </pc:sldChg>
       <pc:sldChg chg="modSp mod">
-        <pc:chgData name="Matthieu De Mari" userId="dfb708c9-d8dc-439f-9a3b-c772bf4a311c" providerId="ADAL" clId="{87881257-A251-408C-B52F-FEE209544685}" dt="2023-01-06T16:35:47.262" v="104" actId="207"/>
+        <pc:chgData name="Matthieu De Mari" userId="dfb708c9-d8dc-439f-9a3b-c772bf4a311c" providerId="ADAL" clId="{87881257-A251-408C-B52F-FEE209544685}" dt="2023-01-23T04:58:04.866" v="200" actId="207"/>
         <pc:sldMkLst>
           <pc:docMk/>
           <pc:sldMk cId="3969303452" sldId="269"/>
         </pc:sldMkLst>
         <pc:spChg chg="mod">
-          <ac:chgData name="Matthieu De Mari" userId="dfb708c9-d8dc-439f-9a3b-c772bf4a311c" providerId="ADAL" clId="{87881257-A251-408C-B52F-FEE209544685}" dt="2023-01-06T16:35:47.262" v="104" actId="207"/>
+          <ac:chgData name="Matthieu De Mari" userId="dfb708c9-d8dc-439f-9a3b-c772bf4a311c" providerId="ADAL" clId="{87881257-A251-408C-B52F-FEE209544685}" dt="2023-01-23T04:58:04.866" v="200" actId="207"/>
           <ac:spMkLst>
             <pc:docMk/>
             <pc:sldMk cId="3969303452" sldId="269"/>
@@ -2134,13 +2172,13 @@
         </pc:spChg>
       </pc:sldChg>
       <pc:sldChg chg="modSp mod">
-        <pc:chgData name="Matthieu De Mari" userId="dfb708c9-d8dc-439f-9a3b-c772bf4a311c" providerId="ADAL" clId="{87881257-A251-408C-B52F-FEE209544685}" dt="2023-01-06T16:36:00.965" v="125" actId="207"/>
+        <pc:chgData name="Matthieu De Mari" userId="dfb708c9-d8dc-439f-9a3b-c772bf4a311c" providerId="ADAL" clId="{87881257-A251-408C-B52F-FEE209544685}" dt="2023-01-23T04:58:09.801" v="201" actId="207"/>
         <pc:sldMkLst>
           <pc:docMk/>
           <pc:sldMk cId="4147646622" sldId="272"/>
         </pc:sldMkLst>
         <pc:spChg chg="mod">
-          <ac:chgData name="Matthieu De Mari" userId="dfb708c9-d8dc-439f-9a3b-c772bf4a311c" providerId="ADAL" clId="{87881257-A251-408C-B52F-FEE209544685}" dt="2023-01-06T16:36:00.965" v="125" actId="207"/>
+          <ac:chgData name="Matthieu De Mari" userId="dfb708c9-d8dc-439f-9a3b-c772bf4a311c" providerId="ADAL" clId="{87881257-A251-408C-B52F-FEE209544685}" dt="2023-01-23T04:58:09.801" v="201" actId="207"/>
           <ac:spMkLst>
             <pc:docMk/>
             <pc:sldMk cId="4147646622" sldId="272"/>
@@ -2731,7 +2769,7 @@
           <a:p>
             <a:fld id="{4883D5E9-8116-4EC0-A73B-7B504502F662}" type="datetimeFigureOut">
               <a:rPr lang="en-SG" smtClean="0"/>
-              <a:t>6/1/2023</a:t>
+              <a:t>23/1/2023</a:t>
             </a:fld>
             <a:endParaRPr lang="en-SG"/>
           </a:p>
@@ -2931,7 +2969,7 @@
           <a:p>
             <a:fld id="{4883D5E9-8116-4EC0-A73B-7B504502F662}" type="datetimeFigureOut">
               <a:rPr lang="en-SG" smtClean="0"/>
-              <a:t>6/1/2023</a:t>
+              <a:t>23/1/2023</a:t>
             </a:fld>
             <a:endParaRPr lang="en-SG"/>
           </a:p>
@@ -3141,7 +3179,7 @@
           <a:p>
             <a:fld id="{4883D5E9-8116-4EC0-A73B-7B504502F662}" type="datetimeFigureOut">
               <a:rPr lang="en-SG" smtClean="0"/>
-              <a:t>6/1/2023</a:t>
+              <a:t>23/1/2023</a:t>
             </a:fld>
             <a:endParaRPr lang="en-SG"/>
           </a:p>
@@ -3341,7 +3379,7 @@
           <a:p>
             <a:fld id="{4883D5E9-8116-4EC0-A73B-7B504502F662}" type="datetimeFigureOut">
               <a:rPr lang="en-SG" smtClean="0"/>
-              <a:t>6/1/2023</a:t>
+              <a:t>23/1/2023</a:t>
             </a:fld>
             <a:endParaRPr lang="en-SG"/>
           </a:p>
@@ -3617,7 +3655,7 @@
           <a:p>
             <a:fld id="{4883D5E9-8116-4EC0-A73B-7B504502F662}" type="datetimeFigureOut">
               <a:rPr lang="en-SG" smtClean="0"/>
-              <a:t>6/1/2023</a:t>
+              <a:t>23/1/2023</a:t>
             </a:fld>
             <a:endParaRPr lang="en-SG"/>
           </a:p>
@@ -3885,7 +3923,7 @@
           <a:p>
             <a:fld id="{4883D5E9-8116-4EC0-A73B-7B504502F662}" type="datetimeFigureOut">
               <a:rPr lang="en-SG" smtClean="0"/>
-              <a:t>6/1/2023</a:t>
+              <a:t>23/1/2023</a:t>
             </a:fld>
             <a:endParaRPr lang="en-SG"/>
           </a:p>
@@ -4300,7 +4338,7 @@
           <a:p>
             <a:fld id="{4883D5E9-8116-4EC0-A73B-7B504502F662}" type="datetimeFigureOut">
               <a:rPr lang="en-SG" smtClean="0"/>
-              <a:t>6/1/2023</a:t>
+              <a:t>23/1/2023</a:t>
             </a:fld>
             <a:endParaRPr lang="en-SG"/>
           </a:p>
@@ -4442,7 +4480,7 @@
           <a:p>
             <a:fld id="{4883D5E9-8116-4EC0-A73B-7B504502F662}" type="datetimeFigureOut">
               <a:rPr lang="en-SG" smtClean="0"/>
-              <a:t>6/1/2023</a:t>
+              <a:t>23/1/2023</a:t>
             </a:fld>
             <a:endParaRPr lang="en-SG"/>
           </a:p>
@@ -4555,7 +4593,7 @@
           <a:p>
             <a:fld id="{4883D5E9-8116-4EC0-A73B-7B504502F662}" type="datetimeFigureOut">
               <a:rPr lang="en-SG" smtClean="0"/>
-              <a:t>6/1/2023</a:t>
+              <a:t>23/1/2023</a:t>
             </a:fld>
             <a:endParaRPr lang="en-SG"/>
           </a:p>
@@ -4868,7 +4906,7 @@
           <a:p>
             <a:fld id="{4883D5E9-8116-4EC0-A73B-7B504502F662}" type="datetimeFigureOut">
               <a:rPr lang="en-SG" smtClean="0"/>
-              <a:t>6/1/2023</a:t>
+              <a:t>23/1/2023</a:t>
             </a:fld>
             <a:endParaRPr lang="en-SG"/>
           </a:p>
@@ -5157,7 +5195,7 @@
           <a:p>
             <a:fld id="{4883D5E9-8116-4EC0-A73B-7B504502F662}" type="datetimeFigureOut">
               <a:rPr lang="en-SG" smtClean="0"/>
-              <a:t>6/1/2023</a:t>
+              <a:t>23/1/2023</a:t>
             </a:fld>
             <a:endParaRPr lang="en-SG"/>
           </a:p>
@@ -5400,7 +5438,7 @@
           <a:p>
             <a:fld id="{4883D5E9-8116-4EC0-A73B-7B504502F662}" type="datetimeFigureOut">
               <a:rPr lang="en-SG" smtClean="0"/>
-              <a:t>6/1/2023</a:t>
+              <a:t>23/1/2023</a:t>
             </a:fld>
             <a:endParaRPr lang="en-SG"/>
           </a:p>
@@ -6021,10 +6059,18 @@
           <a:lstStyle/>
           <a:p>
             <a:r>
-              <a:rPr lang="en-GB" dirty="0"/>
+              <a:rPr lang="en-GB" dirty="0">
+                <a:solidFill>
+                  <a:srgbClr val="00B050"/>
+                </a:solidFill>
+              </a:rPr>
               <a:t>The 5 parameters of a ML problem</a:t>
             </a:r>
-            <a:endParaRPr lang="en-SG" dirty="0"/>
+            <a:endParaRPr lang="en-SG" dirty="0">
+              <a:solidFill>
+                <a:srgbClr val="00B050"/>
+              </a:solidFill>
+            </a:endParaRPr>
           </a:p>
         </p:txBody>
       </p:sp>
@@ -6136,10 +6182,18 @@
           <a:lstStyle/>
           <a:p>
             <a:r>
-              <a:rPr lang="en-GB" dirty="0"/>
+              <a:rPr lang="en-GB" dirty="0">
+                <a:solidFill>
+                  <a:srgbClr val="00B050"/>
+                </a:solidFill>
+              </a:rPr>
               <a:t>A few examples of ML problems</a:t>
             </a:r>
-            <a:endParaRPr lang="en-SG" dirty="0"/>
+            <a:endParaRPr lang="en-SG" dirty="0">
+              <a:solidFill>
+                <a:srgbClr val="00B050"/>
+              </a:solidFill>
+            </a:endParaRPr>
           </a:p>
         </p:txBody>
       </p:sp>
@@ -6360,14 +6414,14 @@
             <a:r>
               <a:rPr lang="en-GB" dirty="0">
                 <a:solidFill>
-                  <a:schemeClr val="accent2"/>
+                  <a:srgbClr val="00B050"/>
                 </a:solidFill>
               </a:rPr>
               <a:t>Linear regression as a least square regression problem</a:t>
             </a:r>
             <a:endParaRPr lang="en-SG" dirty="0">
               <a:solidFill>
-                <a:schemeClr val="accent2"/>
+                <a:srgbClr val="00B050"/>
               </a:solidFill>
             </a:endParaRPr>
           </a:p>
@@ -6483,14 +6537,14 @@
             <a:r>
               <a:rPr lang="en-GB" dirty="0">
                 <a:solidFill>
-                  <a:schemeClr val="accent2"/>
+                  <a:srgbClr val="00B050"/>
                 </a:solidFill>
               </a:rPr>
               <a:t>Solving the linear MSE regression problem</a:t>
             </a:r>
             <a:endParaRPr lang="en-SG" dirty="0">
               <a:solidFill>
-                <a:schemeClr val="accent2"/>
+                <a:srgbClr val="00B050"/>
               </a:solidFill>
             </a:endParaRPr>
           </a:p>
@@ -14330,6 +14384,20 @@
             </a:r>
           </a:p>
           <a:p>
+            <a:r>
+              <a:rPr lang="en-GB" dirty="0"/>
+              <a:t>A quick word on </a:t>
+            </a:r>
+            <a:r>
+              <a:rPr lang="en-GB" dirty="0" err="1"/>
+              <a:t>pytorch</a:t>
+            </a:r>
+            <a:r>
+              <a:rPr lang="en-GB" dirty="0"/>
+              <a:t> 2.0</a:t>
+            </a:r>
+          </a:p>
+          <a:p>
             <a:endParaRPr lang="en-SG" dirty="0"/>
           </a:p>
         </p:txBody>
@@ -14542,14 +14610,14 @@
             <a:r>
               <a:rPr lang="en-GB" dirty="0">
                 <a:solidFill>
-                  <a:schemeClr val="accent2"/>
+                  <a:srgbClr val="00B050"/>
                 </a:solidFill>
               </a:rPr>
               <a:t>AI, ML, NN and DL differences</a:t>
             </a:r>
             <a:endParaRPr lang="en-SG" dirty="0">
               <a:solidFill>
-                <a:schemeClr val="accent2"/>
+                <a:srgbClr val="00B050"/>
               </a:solidFill>
             </a:endParaRPr>
           </a:p>
